--- a/figures/fish_ocean_ranges/QIN_ranges_forfinalfigures.pptx
+++ b/figures/fish_ocean_ranges/QIN_ranges_forfinalfigures.pptx
@@ -9,8 +9,8 @@
     <p:sldId id="259" r:id="rId3"/>
     <p:sldId id="257" r:id="rId4"/>
     <p:sldId id="261" r:id="rId5"/>
-    <p:sldId id="260" r:id="rId6"/>
-    <p:sldId id="258" r:id="rId7"/>
+    <p:sldId id="262" r:id="rId6"/>
+    <p:sldId id="263" r:id="rId7"/>
   </p:sldIdLst>
   <p:sldSz cx="12192000" cy="6858000"/>
   <p:notesSz cx="6858000" cy="9144000"/>
@@ -264,7 +264,7 @@
           <a:p>
             <a:fld id="{1913B232-DDD8-754D-AFF5-46F234AAFDFD}" type="datetimeFigureOut">
               <a:rPr lang="en-US" smtClean="0"/>
-              <a:t>5/2/21</a:t>
+              <a:t>5/4/21</a:t>
             </a:fld>
             <a:endParaRPr lang="en-US"/>
           </a:p>
@@ -462,7 +462,7 @@
           <a:p>
             <a:fld id="{1913B232-DDD8-754D-AFF5-46F234AAFDFD}" type="datetimeFigureOut">
               <a:rPr lang="en-US" smtClean="0"/>
-              <a:t>5/2/21</a:t>
+              <a:t>5/4/21</a:t>
             </a:fld>
             <a:endParaRPr lang="en-US"/>
           </a:p>
@@ -670,7 +670,7 @@
           <a:p>
             <a:fld id="{1913B232-DDD8-754D-AFF5-46F234AAFDFD}" type="datetimeFigureOut">
               <a:rPr lang="en-US" smtClean="0"/>
-              <a:t>5/2/21</a:t>
+              <a:t>5/4/21</a:t>
             </a:fld>
             <a:endParaRPr lang="en-US"/>
           </a:p>
@@ -868,7 +868,7 @@
           <a:p>
             <a:fld id="{1913B232-DDD8-754D-AFF5-46F234AAFDFD}" type="datetimeFigureOut">
               <a:rPr lang="en-US" smtClean="0"/>
-              <a:t>5/2/21</a:t>
+              <a:t>5/4/21</a:t>
             </a:fld>
             <a:endParaRPr lang="en-US"/>
           </a:p>
@@ -1143,7 +1143,7 @@
           <a:p>
             <a:fld id="{1913B232-DDD8-754D-AFF5-46F234AAFDFD}" type="datetimeFigureOut">
               <a:rPr lang="en-US" smtClean="0"/>
-              <a:t>5/2/21</a:t>
+              <a:t>5/4/21</a:t>
             </a:fld>
             <a:endParaRPr lang="en-US"/>
           </a:p>
@@ -1408,7 +1408,7 @@
           <a:p>
             <a:fld id="{1913B232-DDD8-754D-AFF5-46F234AAFDFD}" type="datetimeFigureOut">
               <a:rPr lang="en-US" smtClean="0"/>
-              <a:t>5/2/21</a:t>
+              <a:t>5/4/21</a:t>
             </a:fld>
             <a:endParaRPr lang="en-US"/>
           </a:p>
@@ -1820,7 +1820,7 @@
           <a:p>
             <a:fld id="{1913B232-DDD8-754D-AFF5-46F234AAFDFD}" type="datetimeFigureOut">
               <a:rPr lang="en-US" smtClean="0"/>
-              <a:t>5/2/21</a:t>
+              <a:t>5/4/21</a:t>
             </a:fld>
             <a:endParaRPr lang="en-US"/>
           </a:p>
@@ -1961,7 +1961,7 @@
           <a:p>
             <a:fld id="{1913B232-DDD8-754D-AFF5-46F234AAFDFD}" type="datetimeFigureOut">
               <a:rPr lang="en-US" smtClean="0"/>
-              <a:t>5/2/21</a:t>
+              <a:t>5/4/21</a:t>
             </a:fld>
             <a:endParaRPr lang="en-US"/>
           </a:p>
@@ -2074,7 +2074,7 @@
           <a:p>
             <a:fld id="{1913B232-DDD8-754D-AFF5-46F234AAFDFD}" type="datetimeFigureOut">
               <a:rPr lang="en-US" smtClean="0"/>
-              <a:t>5/2/21</a:t>
+              <a:t>5/4/21</a:t>
             </a:fld>
             <a:endParaRPr lang="en-US"/>
           </a:p>
@@ -2385,7 +2385,7 @@
           <a:p>
             <a:fld id="{1913B232-DDD8-754D-AFF5-46F234AAFDFD}" type="datetimeFigureOut">
               <a:rPr lang="en-US" smtClean="0"/>
-              <a:t>5/2/21</a:t>
+              <a:t>5/4/21</a:t>
             </a:fld>
             <a:endParaRPr lang="en-US"/>
           </a:p>
@@ -2673,7 +2673,7 @@
           <a:p>
             <a:fld id="{1913B232-DDD8-754D-AFF5-46F234AAFDFD}" type="datetimeFigureOut">
               <a:rPr lang="en-US" smtClean="0"/>
-              <a:t>5/2/21</a:t>
+              <a:t>5/4/21</a:t>
             </a:fld>
             <a:endParaRPr lang="en-US"/>
           </a:p>
@@ -2914,7 +2914,7 @@
           <a:p>
             <a:fld id="{1913B232-DDD8-754D-AFF5-46F234AAFDFD}" type="datetimeFigureOut">
               <a:rPr lang="en-US" smtClean="0"/>
-              <a:t>5/2/21</a:t>
+              <a:t>5/4/21</a:t>
             </a:fld>
             <a:endParaRPr lang="en-US"/>
           </a:p>
@@ -3888,7 +3888,7 @@
           <p:cNvPr id="3" name="Picture 2">
             <a:extLst>
               <a:ext uri="{FF2B5EF4-FFF2-40B4-BE49-F238E27FC236}">
-                <a16:creationId xmlns:a16="http://schemas.microsoft.com/office/drawing/2014/main" id="{823C7F51-BB4F-C340-AE78-CFB4355F2298}"/>
+                <a16:creationId xmlns:a16="http://schemas.microsoft.com/office/drawing/2014/main" id="{7E2B1F1C-EA58-5E4B-BEAE-4B418AAC0CB0}"/>
               </a:ext>
             </a:extLst>
           </p:cNvPr>
@@ -3916,7 +3916,7 @@
     </p:spTree>
     <p:extLst>
       <p:ext uri="{BB962C8B-B14F-4D97-AF65-F5344CB8AC3E}">
-        <p14:creationId xmlns:p14="http://schemas.microsoft.com/office/powerpoint/2010/main" val="1146986834"/>
+        <p14:creationId xmlns:p14="http://schemas.microsoft.com/office/powerpoint/2010/main" val="3692455100"/>
       </p:ext>
     </p:extLst>
   </p:cSld>
@@ -3948,7 +3948,7 @@
           <p:cNvPr id="3" name="Picture 2">
             <a:extLst>
               <a:ext uri="{FF2B5EF4-FFF2-40B4-BE49-F238E27FC236}">
-                <a16:creationId xmlns:a16="http://schemas.microsoft.com/office/drawing/2014/main" id="{9932F1FB-8257-FA47-8965-9CAD1F342480}"/>
+                <a16:creationId xmlns:a16="http://schemas.microsoft.com/office/drawing/2014/main" id="{0DC44F2B-ACC4-3E43-B836-688096FCEE0F}"/>
               </a:ext>
             </a:extLst>
           </p:cNvPr>
@@ -3976,7 +3976,7 @@
     </p:spTree>
     <p:extLst>
       <p:ext uri="{BB962C8B-B14F-4D97-AF65-F5344CB8AC3E}">
-        <p14:creationId xmlns:p14="http://schemas.microsoft.com/office/powerpoint/2010/main" val="1060155561"/>
+        <p14:creationId xmlns:p14="http://schemas.microsoft.com/office/powerpoint/2010/main" val="2798951084"/>
       </p:ext>
     </p:extLst>
   </p:cSld>

--- a/figures/fish_ocean_ranges/QIN_ranges_forfinalfigures.pptx
+++ b/figures/fish_ocean_ranges/QIN_ranges_forfinalfigures.pptx
@@ -264,7 +264,7 @@
           <a:p>
             <a:fld id="{1913B232-DDD8-754D-AFF5-46F234AAFDFD}" type="datetimeFigureOut">
               <a:rPr lang="en-US" smtClean="0"/>
-              <a:t>5/4/21</a:t>
+              <a:t>6/28/21</a:t>
             </a:fld>
             <a:endParaRPr lang="en-US"/>
           </a:p>
@@ -462,7 +462,7 @@
           <a:p>
             <a:fld id="{1913B232-DDD8-754D-AFF5-46F234AAFDFD}" type="datetimeFigureOut">
               <a:rPr lang="en-US" smtClean="0"/>
-              <a:t>5/4/21</a:t>
+              <a:t>6/28/21</a:t>
             </a:fld>
             <a:endParaRPr lang="en-US"/>
           </a:p>
@@ -670,7 +670,7 @@
           <a:p>
             <a:fld id="{1913B232-DDD8-754D-AFF5-46F234AAFDFD}" type="datetimeFigureOut">
               <a:rPr lang="en-US" smtClean="0"/>
-              <a:t>5/4/21</a:t>
+              <a:t>6/28/21</a:t>
             </a:fld>
             <a:endParaRPr lang="en-US"/>
           </a:p>
@@ -868,7 +868,7 @@
           <a:p>
             <a:fld id="{1913B232-DDD8-754D-AFF5-46F234AAFDFD}" type="datetimeFigureOut">
               <a:rPr lang="en-US" smtClean="0"/>
-              <a:t>5/4/21</a:t>
+              <a:t>6/28/21</a:t>
             </a:fld>
             <a:endParaRPr lang="en-US"/>
           </a:p>
@@ -1143,7 +1143,7 @@
           <a:p>
             <a:fld id="{1913B232-DDD8-754D-AFF5-46F234AAFDFD}" type="datetimeFigureOut">
               <a:rPr lang="en-US" smtClean="0"/>
-              <a:t>5/4/21</a:t>
+              <a:t>6/28/21</a:t>
             </a:fld>
             <a:endParaRPr lang="en-US"/>
           </a:p>
@@ -1408,7 +1408,7 @@
           <a:p>
             <a:fld id="{1913B232-DDD8-754D-AFF5-46F234AAFDFD}" type="datetimeFigureOut">
               <a:rPr lang="en-US" smtClean="0"/>
-              <a:t>5/4/21</a:t>
+              <a:t>6/28/21</a:t>
             </a:fld>
             <a:endParaRPr lang="en-US"/>
           </a:p>
@@ -1820,7 +1820,7 @@
           <a:p>
             <a:fld id="{1913B232-DDD8-754D-AFF5-46F234AAFDFD}" type="datetimeFigureOut">
               <a:rPr lang="en-US" smtClean="0"/>
-              <a:t>5/4/21</a:t>
+              <a:t>6/28/21</a:t>
             </a:fld>
             <a:endParaRPr lang="en-US"/>
           </a:p>
@@ -1961,7 +1961,7 @@
           <a:p>
             <a:fld id="{1913B232-DDD8-754D-AFF5-46F234AAFDFD}" type="datetimeFigureOut">
               <a:rPr lang="en-US" smtClean="0"/>
-              <a:t>5/4/21</a:t>
+              <a:t>6/28/21</a:t>
             </a:fld>
             <a:endParaRPr lang="en-US"/>
           </a:p>
@@ -2074,7 +2074,7 @@
           <a:p>
             <a:fld id="{1913B232-DDD8-754D-AFF5-46F234AAFDFD}" type="datetimeFigureOut">
               <a:rPr lang="en-US" smtClean="0"/>
-              <a:t>5/4/21</a:t>
+              <a:t>6/28/21</a:t>
             </a:fld>
             <a:endParaRPr lang="en-US"/>
           </a:p>
@@ -2385,7 +2385,7 @@
           <a:p>
             <a:fld id="{1913B232-DDD8-754D-AFF5-46F234AAFDFD}" type="datetimeFigureOut">
               <a:rPr lang="en-US" smtClean="0"/>
-              <a:t>5/4/21</a:t>
+              <a:t>6/28/21</a:t>
             </a:fld>
             <a:endParaRPr lang="en-US"/>
           </a:p>
@@ -2673,7 +2673,7 @@
           <a:p>
             <a:fld id="{1913B232-DDD8-754D-AFF5-46F234AAFDFD}" type="datetimeFigureOut">
               <a:rPr lang="en-US" smtClean="0"/>
-              <a:t>5/4/21</a:t>
+              <a:t>6/28/21</a:t>
             </a:fld>
             <a:endParaRPr lang="en-US"/>
           </a:p>
@@ -2914,7 +2914,7 @@
           <a:p>
             <a:fld id="{1913B232-DDD8-754D-AFF5-46F234AAFDFD}" type="datetimeFigureOut">
               <a:rPr lang="en-US" smtClean="0"/>
-              <a:t>5/4/21</a:t>
+              <a:t>6/28/21</a:t>
             </a:fld>
             <a:endParaRPr lang="en-US"/>
           </a:p>
@@ -3825,10 +3825,10 @@
       </p:grpSpPr>
       <p:pic>
         <p:nvPicPr>
-          <p:cNvPr id="3" name="Picture 2">
-            <a:extLst>
-              <a:ext uri="{FF2B5EF4-FFF2-40B4-BE49-F238E27FC236}">
-                <a16:creationId xmlns:a16="http://schemas.microsoft.com/office/drawing/2014/main" id="{470127B9-FA82-0643-9ABA-FF779C9D27F9}"/>
+          <p:cNvPr id="4" name="Picture 3">
+            <a:extLst>
+              <a:ext uri="{FF2B5EF4-FFF2-40B4-BE49-F238E27FC236}">
+                <a16:creationId xmlns:a16="http://schemas.microsoft.com/office/drawing/2014/main" id="{C405C394-C889-4B4F-BA9D-EBCEC534E38D}"/>
               </a:ext>
             </a:extLst>
           </p:cNvPr>
@@ -3885,10 +3885,10 @@
       </p:grpSpPr>
       <p:pic>
         <p:nvPicPr>
-          <p:cNvPr id="3" name="Picture 2">
-            <a:extLst>
-              <a:ext uri="{FF2B5EF4-FFF2-40B4-BE49-F238E27FC236}">
-                <a16:creationId xmlns:a16="http://schemas.microsoft.com/office/drawing/2014/main" id="{7E2B1F1C-EA58-5E4B-BEAE-4B418AAC0CB0}"/>
+          <p:cNvPr id="4" name="Picture 3">
+            <a:extLst>
+              <a:ext uri="{FF2B5EF4-FFF2-40B4-BE49-F238E27FC236}">
+                <a16:creationId xmlns:a16="http://schemas.microsoft.com/office/drawing/2014/main" id="{3AF95C46-12FA-764C-97F3-905B355D02AC}"/>
               </a:ext>
             </a:extLst>
           </p:cNvPr>
@@ -3945,10 +3945,10 @@
       </p:grpSpPr>
       <p:pic>
         <p:nvPicPr>
-          <p:cNvPr id="3" name="Picture 2">
-            <a:extLst>
-              <a:ext uri="{FF2B5EF4-FFF2-40B4-BE49-F238E27FC236}">
-                <a16:creationId xmlns:a16="http://schemas.microsoft.com/office/drawing/2014/main" id="{0DC44F2B-ACC4-3E43-B836-688096FCEE0F}"/>
+          <p:cNvPr id="4" name="Picture 3">
+            <a:extLst>
+              <a:ext uri="{FF2B5EF4-FFF2-40B4-BE49-F238E27FC236}">
+                <a16:creationId xmlns:a16="http://schemas.microsoft.com/office/drawing/2014/main" id="{A8F561B7-4DFD-FE45-AE06-44394549BCE1}"/>
               </a:ext>
             </a:extLst>
           </p:cNvPr>

--- a/figures/fish_ocean_ranges/QIN_ranges_forfinalfigures.pptx
+++ b/figures/fish_ocean_ranges/QIN_ranges_forfinalfigures.pptx
@@ -4,13 +4,22 @@
   <p:sldMasterIdLst>
     <p:sldMasterId id="2147483648" r:id="rId1"/>
   </p:sldMasterIdLst>
+  <p:notesMasterIdLst>
+    <p:notesMasterId r:id="rId14"/>
+  </p:notesMasterIdLst>
   <p:sldIdLst>
-    <p:sldId id="256" r:id="rId2"/>
-    <p:sldId id="259" r:id="rId3"/>
-    <p:sldId id="257" r:id="rId4"/>
-    <p:sldId id="261" r:id="rId5"/>
-    <p:sldId id="262" r:id="rId6"/>
-    <p:sldId id="263" r:id="rId7"/>
+    <p:sldId id="268" r:id="rId2"/>
+    <p:sldId id="257" r:id="rId3"/>
+    <p:sldId id="258" r:id="rId4"/>
+    <p:sldId id="259" r:id="rId5"/>
+    <p:sldId id="260" r:id="rId6"/>
+    <p:sldId id="261" r:id="rId7"/>
+    <p:sldId id="262" r:id="rId8"/>
+    <p:sldId id="263" r:id="rId9"/>
+    <p:sldId id="264" r:id="rId10"/>
+    <p:sldId id="265" r:id="rId11"/>
+    <p:sldId id="267" r:id="rId12"/>
+    <p:sldId id="269" r:id="rId13"/>
   </p:sldIdLst>
   <p:sldSz cx="12192000" cy="6858000"/>
   <p:notesSz cx="6858000" cy="9144000"/>
@@ -117,6 +126,355 @@
 </p:presentation>
 </file>
 
+<file path=ppt/notesMasters/notesMaster1.xml><?xml version="1.0" encoding="utf-8"?>
+<p:notesMaster xmlns:a="http://schemas.openxmlformats.org/drawingml/2006/main" xmlns:r="http://schemas.openxmlformats.org/officeDocument/2006/relationships" xmlns:p="http://schemas.openxmlformats.org/presentationml/2006/main">
+  <p:cSld>
+    <p:bg>
+      <p:bgRef idx="1001">
+        <a:schemeClr val="bg1"/>
+      </p:bgRef>
+    </p:bg>
+    <p:spTree>
+      <p:nvGrpSpPr>
+        <p:cNvPr id="1" name=""/>
+        <p:cNvGrpSpPr/>
+        <p:nvPr/>
+      </p:nvGrpSpPr>
+      <p:grpSpPr>
+        <a:xfrm>
+          <a:off x="0" y="0"/>
+          <a:ext cx="0" cy="0"/>
+          <a:chOff x="0" y="0"/>
+          <a:chExt cx="0" cy="0"/>
+        </a:xfrm>
+      </p:grpSpPr>
+      <p:sp>
+        <p:nvSpPr>
+          <p:cNvPr id="2" name="Header Placeholder 1"/>
+          <p:cNvSpPr>
+            <a:spLocks noGrp="1"/>
+          </p:cNvSpPr>
+          <p:nvPr>
+            <p:ph type="hdr" sz="quarter"/>
+          </p:nvPr>
+        </p:nvSpPr>
+        <p:spPr>
+          <a:xfrm>
+            <a:off x="0" y="0"/>
+            <a:ext cx="2971800" cy="458788"/>
+          </a:xfrm>
+          <a:prstGeom prst="rect">
+            <a:avLst/>
+          </a:prstGeom>
+        </p:spPr>
+        <p:txBody>
+          <a:bodyPr vert="horz" lIns="91440" tIns="45720" rIns="91440" bIns="45720" rtlCol="0"/>
+          <a:lstStyle>
+            <a:lvl1pPr algn="l">
+              <a:defRPr sz="1200"/>
+            </a:lvl1pPr>
+          </a:lstStyle>
+          <a:p>
+            <a:endParaRPr lang="en-US"/>
+          </a:p>
+        </p:txBody>
+      </p:sp>
+      <p:sp>
+        <p:nvSpPr>
+          <p:cNvPr id="3" name="Date Placeholder 2"/>
+          <p:cNvSpPr>
+            <a:spLocks noGrp="1"/>
+          </p:cNvSpPr>
+          <p:nvPr>
+            <p:ph type="dt" idx="1"/>
+          </p:nvPr>
+        </p:nvSpPr>
+        <p:spPr>
+          <a:xfrm>
+            <a:off x="3884613" y="0"/>
+            <a:ext cx="2971800" cy="458788"/>
+          </a:xfrm>
+          <a:prstGeom prst="rect">
+            <a:avLst/>
+          </a:prstGeom>
+        </p:spPr>
+        <p:txBody>
+          <a:bodyPr vert="horz" lIns="91440" tIns="45720" rIns="91440" bIns="45720" rtlCol="0"/>
+          <a:lstStyle>
+            <a:lvl1pPr algn="r">
+              <a:defRPr sz="1200"/>
+            </a:lvl1pPr>
+          </a:lstStyle>
+          <a:p>
+            <a:fld id="{DA3B666E-D025-4940-B46B-F7A511E2C0A9}" type="datetimeFigureOut">
+              <a:rPr lang="en-US" smtClean="0"/>
+              <a:t>7/9/21</a:t>
+            </a:fld>
+            <a:endParaRPr lang="en-US"/>
+          </a:p>
+        </p:txBody>
+      </p:sp>
+      <p:sp>
+        <p:nvSpPr>
+          <p:cNvPr id="4" name="Slide Image Placeholder 3"/>
+          <p:cNvSpPr>
+            <a:spLocks noGrp="1" noRot="1" noChangeAspect="1"/>
+          </p:cNvSpPr>
+          <p:nvPr>
+            <p:ph type="sldImg" idx="2"/>
+          </p:nvPr>
+        </p:nvSpPr>
+        <p:spPr>
+          <a:xfrm>
+            <a:off x="685800" y="1143000"/>
+            <a:ext cx="5486400" cy="3086100"/>
+          </a:xfrm>
+          <a:prstGeom prst="rect">
+            <a:avLst/>
+          </a:prstGeom>
+          <a:noFill/>
+          <a:ln w="12700">
+            <a:solidFill>
+              <a:prstClr val="black"/>
+            </a:solidFill>
+          </a:ln>
+        </p:spPr>
+        <p:txBody>
+          <a:bodyPr vert="horz" lIns="91440" tIns="45720" rIns="91440" bIns="45720" rtlCol="0" anchor="ctr"/>
+          <a:lstStyle/>
+          <a:p>
+            <a:endParaRPr lang="en-US"/>
+          </a:p>
+        </p:txBody>
+      </p:sp>
+      <p:sp>
+        <p:nvSpPr>
+          <p:cNvPr id="5" name="Notes Placeholder 4"/>
+          <p:cNvSpPr>
+            <a:spLocks noGrp="1"/>
+          </p:cNvSpPr>
+          <p:nvPr>
+            <p:ph type="body" sz="quarter" idx="3"/>
+          </p:nvPr>
+        </p:nvSpPr>
+        <p:spPr>
+          <a:xfrm>
+            <a:off x="685800" y="4400550"/>
+            <a:ext cx="5486400" cy="3600450"/>
+          </a:xfrm>
+          <a:prstGeom prst="rect">
+            <a:avLst/>
+          </a:prstGeom>
+        </p:spPr>
+        <p:txBody>
+          <a:bodyPr vert="horz" lIns="91440" tIns="45720" rIns="91440" bIns="45720" rtlCol="0"/>
+          <a:lstStyle/>
+          <a:p>
+            <a:pPr lvl="0"/>
+            <a:r>
+              <a:rPr lang="en-US"/>
+              <a:t>Click to edit Master text styles</a:t>
+            </a:r>
+          </a:p>
+          <a:p>
+            <a:pPr lvl="1"/>
+            <a:r>
+              <a:rPr lang="en-US"/>
+              <a:t>Second level</a:t>
+            </a:r>
+          </a:p>
+          <a:p>
+            <a:pPr lvl="2"/>
+            <a:r>
+              <a:rPr lang="en-US"/>
+              <a:t>Third level</a:t>
+            </a:r>
+          </a:p>
+          <a:p>
+            <a:pPr lvl="3"/>
+            <a:r>
+              <a:rPr lang="en-US"/>
+              <a:t>Fourth level</a:t>
+            </a:r>
+          </a:p>
+          <a:p>
+            <a:pPr lvl="4"/>
+            <a:r>
+              <a:rPr lang="en-US"/>
+              <a:t>Fifth level</a:t>
+            </a:r>
+          </a:p>
+        </p:txBody>
+      </p:sp>
+      <p:sp>
+        <p:nvSpPr>
+          <p:cNvPr id="6" name="Footer Placeholder 5"/>
+          <p:cNvSpPr>
+            <a:spLocks noGrp="1"/>
+          </p:cNvSpPr>
+          <p:nvPr>
+            <p:ph type="ftr" sz="quarter" idx="4"/>
+          </p:nvPr>
+        </p:nvSpPr>
+        <p:spPr>
+          <a:xfrm>
+            <a:off x="0" y="8685213"/>
+            <a:ext cx="2971800" cy="458787"/>
+          </a:xfrm>
+          <a:prstGeom prst="rect">
+            <a:avLst/>
+          </a:prstGeom>
+        </p:spPr>
+        <p:txBody>
+          <a:bodyPr vert="horz" lIns="91440" tIns="45720" rIns="91440" bIns="45720" rtlCol="0" anchor="b"/>
+          <a:lstStyle>
+            <a:lvl1pPr algn="l">
+              <a:defRPr sz="1200"/>
+            </a:lvl1pPr>
+          </a:lstStyle>
+          <a:p>
+            <a:endParaRPr lang="en-US"/>
+          </a:p>
+        </p:txBody>
+      </p:sp>
+      <p:sp>
+        <p:nvSpPr>
+          <p:cNvPr id="7" name="Slide Number Placeholder 6"/>
+          <p:cNvSpPr>
+            <a:spLocks noGrp="1"/>
+          </p:cNvSpPr>
+          <p:nvPr>
+            <p:ph type="sldNum" sz="quarter" idx="5"/>
+          </p:nvPr>
+        </p:nvSpPr>
+        <p:spPr>
+          <a:xfrm>
+            <a:off x="3884613" y="8685213"/>
+            <a:ext cx="2971800" cy="458787"/>
+          </a:xfrm>
+          <a:prstGeom prst="rect">
+            <a:avLst/>
+          </a:prstGeom>
+        </p:spPr>
+        <p:txBody>
+          <a:bodyPr vert="horz" lIns="91440" tIns="45720" rIns="91440" bIns="45720" rtlCol="0" anchor="b"/>
+          <a:lstStyle>
+            <a:lvl1pPr algn="r">
+              <a:defRPr sz="1200"/>
+            </a:lvl1pPr>
+          </a:lstStyle>
+          <a:p>
+            <a:fld id="{5F360EA3-C12F-7949-8FB2-3C9895E4AC00}" type="slidenum">
+              <a:rPr lang="en-US" smtClean="0"/>
+              <a:t>‹#›</a:t>
+            </a:fld>
+            <a:endParaRPr lang="en-US"/>
+          </a:p>
+        </p:txBody>
+      </p:sp>
+    </p:spTree>
+    <p:extLst>
+      <p:ext uri="{BB962C8B-B14F-4D97-AF65-F5344CB8AC3E}">
+        <p14:creationId xmlns:p14="http://schemas.microsoft.com/office/powerpoint/2010/main" val="2295297218"/>
+      </p:ext>
+    </p:extLst>
+  </p:cSld>
+  <p:clrMap bg1="lt1" tx1="dk1" bg2="lt2" tx2="dk2" accent1="accent1" accent2="accent2" accent3="accent3" accent4="accent4" accent5="accent5" accent6="accent6" hlink="hlink" folHlink="folHlink"/>
+  <p:notesStyle>
+    <a:lvl1pPr marL="0" algn="l" defTabSz="914400" rtl="0" eaLnBrk="1" latinLnBrk="0" hangingPunct="1">
+      <a:defRPr sz="1200" kern="1200">
+        <a:solidFill>
+          <a:schemeClr val="tx1"/>
+        </a:solidFill>
+        <a:latin typeface="+mn-lt"/>
+        <a:ea typeface="+mn-ea"/>
+        <a:cs typeface="+mn-cs"/>
+      </a:defRPr>
+    </a:lvl1pPr>
+    <a:lvl2pPr marL="457200" algn="l" defTabSz="914400" rtl="0" eaLnBrk="1" latinLnBrk="0" hangingPunct="1">
+      <a:defRPr sz="1200" kern="1200">
+        <a:solidFill>
+          <a:schemeClr val="tx1"/>
+        </a:solidFill>
+        <a:latin typeface="+mn-lt"/>
+        <a:ea typeface="+mn-ea"/>
+        <a:cs typeface="+mn-cs"/>
+      </a:defRPr>
+    </a:lvl2pPr>
+    <a:lvl3pPr marL="914400" algn="l" defTabSz="914400" rtl="0" eaLnBrk="1" latinLnBrk="0" hangingPunct="1">
+      <a:defRPr sz="1200" kern="1200">
+        <a:solidFill>
+          <a:schemeClr val="tx1"/>
+        </a:solidFill>
+        <a:latin typeface="+mn-lt"/>
+        <a:ea typeface="+mn-ea"/>
+        <a:cs typeface="+mn-cs"/>
+      </a:defRPr>
+    </a:lvl3pPr>
+    <a:lvl4pPr marL="1371600" algn="l" defTabSz="914400" rtl="0" eaLnBrk="1" latinLnBrk="0" hangingPunct="1">
+      <a:defRPr sz="1200" kern="1200">
+        <a:solidFill>
+          <a:schemeClr val="tx1"/>
+        </a:solidFill>
+        <a:latin typeface="+mn-lt"/>
+        <a:ea typeface="+mn-ea"/>
+        <a:cs typeface="+mn-cs"/>
+      </a:defRPr>
+    </a:lvl4pPr>
+    <a:lvl5pPr marL="1828800" algn="l" defTabSz="914400" rtl="0" eaLnBrk="1" latinLnBrk="0" hangingPunct="1">
+      <a:defRPr sz="1200" kern="1200">
+        <a:solidFill>
+          <a:schemeClr val="tx1"/>
+        </a:solidFill>
+        <a:latin typeface="+mn-lt"/>
+        <a:ea typeface="+mn-ea"/>
+        <a:cs typeface="+mn-cs"/>
+      </a:defRPr>
+    </a:lvl5pPr>
+    <a:lvl6pPr marL="2286000" algn="l" defTabSz="914400" rtl="0" eaLnBrk="1" latinLnBrk="0" hangingPunct="1">
+      <a:defRPr sz="1200" kern="1200">
+        <a:solidFill>
+          <a:schemeClr val="tx1"/>
+        </a:solidFill>
+        <a:latin typeface="+mn-lt"/>
+        <a:ea typeface="+mn-ea"/>
+        <a:cs typeface="+mn-cs"/>
+      </a:defRPr>
+    </a:lvl6pPr>
+    <a:lvl7pPr marL="2743200" algn="l" defTabSz="914400" rtl="0" eaLnBrk="1" latinLnBrk="0" hangingPunct="1">
+      <a:defRPr sz="1200" kern="1200">
+        <a:solidFill>
+          <a:schemeClr val="tx1"/>
+        </a:solidFill>
+        <a:latin typeface="+mn-lt"/>
+        <a:ea typeface="+mn-ea"/>
+        <a:cs typeface="+mn-cs"/>
+      </a:defRPr>
+    </a:lvl7pPr>
+    <a:lvl8pPr marL="3200400" algn="l" defTabSz="914400" rtl="0" eaLnBrk="1" latinLnBrk="0" hangingPunct="1">
+      <a:defRPr sz="1200" kern="1200">
+        <a:solidFill>
+          <a:schemeClr val="tx1"/>
+        </a:solidFill>
+        <a:latin typeface="+mn-lt"/>
+        <a:ea typeface="+mn-ea"/>
+        <a:cs typeface="+mn-cs"/>
+      </a:defRPr>
+    </a:lvl8pPr>
+    <a:lvl9pPr marL="3657600" algn="l" defTabSz="914400" rtl="0" eaLnBrk="1" latinLnBrk="0" hangingPunct="1">
+      <a:defRPr sz="1200" kern="1200">
+        <a:solidFill>
+          <a:schemeClr val="tx1"/>
+        </a:solidFill>
+        <a:latin typeface="+mn-lt"/>
+        <a:ea typeface="+mn-ea"/>
+        <a:cs typeface="+mn-cs"/>
+      </a:defRPr>
+    </a:lvl9pPr>
+  </p:notesStyle>
+</p:notesMaster>
+</file>
+
 <file path=ppt/slideLayouts/slideLayout1.xml><?xml version="1.0" encoding="utf-8"?>
 <p:sldLayout xmlns:a="http://schemas.openxmlformats.org/drawingml/2006/main" xmlns:r="http://schemas.openxmlformats.org/officeDocument/2006/relationships" xmlns:p="http://schemas.openxmlformats.org/presentationml/2006/main" type="title" preserve="1">
   <p:cSld name="Title Slide">
@@ -264,7 +622,7 @@
           <a:p>
             <a:fld id="{1913B232-DDD8-754D-AFF5-46F234AAFDFD}" type="datetimeFigureOut">
               <a:rPr lang="en-US" smtClean="0"/>
-              <a:t>6/28/21</a:t>
+              <a:t>7/9/21</a:t>
             </a:fld>
             <a:endParaRPr lang="en-US"/>
           </a:p>
@@ -462,7 +820,7 @@
           <a:p>
             <a:fld id="{1913B232-DDD8-754D-AFF5-46F234AAFDFD}" type="datetimeFigureOut">
               <a:rPr lang="en-US" smtClean="0"/>
-              <a:t>6/28/21</a:t>
+              <a:t>7/9/21</a:t>
             </a:fld>
             <a:endParaRPr lang="en-US"/>
           </a:p>
@@ -670,7 +1028,7 @@
           <a:p>
             <a:fld id="{1913B232-DDD8-754D-AFF5-46F234AAFDFD}" type="datetimeFigureOut">
               <a:rPr lang="en-US" smtClean="0"/>
-              <a:t>6/28/21</a:t>
+              <a:t>7/9/21</a:t>
             </a:fld>
             <a:endParaRPr lang="en-US"/>
           </a:p>
@@ -868,7 +1226,7 @@
           <a:p>
             <a:fld id="{1913B232-DDD8-754D-AFF5-46F234AAFDFD}" type="datetimeFigureOut">
               <a:rPr lang="en-US" smtClean="0"/>
-              <a:t>6/28/21</a:t>
+              <a:t>7/9/21</a:t>
             </a:fld>
             <a:endParaRPr lang="en-US"/>
           </a:p>
@@ -1143,7 +1501,7 @@
           <a:p>
             <a:fld id="{1913B232-DDD8-754D-AFF5-46F234AAFDFD}" type="datetimeFigureOut">
               <a:rPr lang="en-US" smtClean="0"/>
-              <a:t>6/28/21</a:t>
+              <a:t>7/9/21</a:t>
             </a:fld>
             <a:endParaRPr lang="en-US"/>
           </a:p>
@@ -1408,7 +1766,7 @@
           <a:p>
             <a:fld id="{1913B232-DDD8-754D-AFF5-46F234AAFDFD}" type="datetimeFigureOut">
               <a:rPr lang="en-US" smtClean="0"/>
-              <a:t>6/28/21</a:t>
+              <a:t>7/9/21</a:t>
             </a:fld>
             <a:endParaRPr lang="en-US"/>
           </a:p>
@@ -1820,7 +2178,7 @@
           <a:p>
             <a:fld id="{1913B232-DDD8-754D-AFF5-46F234AAFDFD}" type="datetimeFigureOut">
               <a:rPr lang="en-US" smtClean="0"/>
-              <a:t>6/28/21</a:t>
+              <a:t>7/9/21</a:t>
             </a:fld>
             <a:endParaRPr lang="en-US"/>
           </a:p>
@@ -1961,7 +2319,7 @@
           <a:p>
             <a:fld id="{1913B232-DDD8-754D-AFF5-46F234AAFDFD}" type="datetimeFigureOut">
               <a:rPr lang="en-US" smtClean="0"/>
-              <a:t>6/28/21</a:t>
+              <a:t>7/9/21</a:t>
             </a:fld>
             <a:endParaRPr lang="en-US"/>
           </a:p>
@@ -2074,7 +2432,7 @@
           <a:p>
             <a:fld id="{1913B232-DDD8-754D-AFF5-46F234AAFDFD}" type="datetimeFigureOut">
               <a:rPr lang="en-US" smtClean="0"/>
-              <a:t>6/28/21</a:t>
+              <a:t>7/9/21</a:t>
             </a:fld>
             <a:endParaRPr lang="en-US"/>
           </a:p>
@@ -2385,7 +2743,7 @@
           <a:p>
             <a:fld id="{1913B232-DDD8-754D-AFF5-46F234AAFDFD}" type="datetimeFigureOut">
               <a:rPr lang="en-US" smtClean="0"/>
-              <a:t>6/28/21</a:t>
+              <a:t>7/9/21</a:t>
             </a:fld>
             <a:endParaRPr lang="en-US"/>
           </a:p>
@@ -2673,7 +3031,7 @@
           <a:p>
             <a:fld id="{1913B232-DDD8-754D-AFF5-46F234AAFDFD}" type="datetimeFigureOut">
               <a:rPr lang="en-US" smtClean="0"/>
-              <a:t>6/28/21</a:t>
+              <a:t>7/9/21</a:t>
             </a:fld>
             <a:endParaRPr lang="en-US"/>
           </a:p>
@@ -2914,7 +3272,7 @@
           <a:p>
             <a:fld id="{1913B232-DDD8-754D-AFF5-46F234AAFDFD}" type="datetimeFigureOut">
               <a:rPr lang="en-US" smtClean="0"/>
-              <a:t>6/28/21</a:t>
+              <a:t>7/9/21</a:t>
             </a:fld>
             <a:endParaRPr lang="en-US"/>
           </a:p>
@@ -3331,42 +3689,12 @@
           <a:chExt cx="0" cy="0"/>
         </a:xfrm>
       </p:grpSpPr>
-      <p:pic>
-        <p:nvPicPr>
-          <p:cNvPr id="3" name="Picture 2">
-            <a:extLst>
-              <a:ext uri="{FF2B5EF4-FFF2-40B4-BE49-F238E27FC236}">
-                <a16:creationId xmlns:a16="http://schemas.microsoft.com/office/drawing/2014/main" id="{AFD1902B-BC3A-9C43-A999-375DCDA333A8}"/>
-              </a:ext>
-            </a:extLst>
-          </p:cNvPr>
-          <p:cNvPicPr>
-            <a:picLocks noChangeAspect="1"/>
-          </p:cNvPicPr>
-          <p:nvPr/>
-        </p:nvPicPr>
-        <p:blipFill>
-          <a:blip r:embed="rId2"/>
-          <a:stretch>
-            <a:fillRect/>
-          </a:stretch>
-        </p:blipFill>
-        <p:spPr>
-          <a:xfrm>
-            <a:off x="609600" y="228600"/>
-            <a:ext cx="10972800" cy="6400800"/>
-          </a:xfrm>
-          <a:prstGeom prst="rect">
-            <a:avLst/>
-          </a:prstGeom>
-        </p:spPr>
-      </p:pic>
-      <p:sp>
-        <p:nvSpPr>
-          <p:cNvPr id="6" name="Rectangle 5">
-            <a:extLst>
-              <a:ext uri="{FF2B5EF4-FFF2-40B4-BE49-F238E27FC236}">
-                <a16:creationId xmlns:a16="http://schemas.microsoft.com/office/drawing/2014/main" id="{6A465518-E64B-2E41-A5DE-3233AA9C7C1F}"/>
+      <p:sp>
+        <p:nvSpPr>
+          <p:cNvPr id="4" name="Rectangle 3">
+            <a:extLst>
+              <a:ext uri="{FF2B5EF4-FFF2-40B4-BE49-F238E27FC236}">
+                <a16:creationId xmlns:a16="http://schemas.microsoft.com/office/drawing/2014/main" id="{A8FA88E6-CBA5-8F41-9332-C5AC567B3A08}"/>
               </a:ext>
             </a:extLst>
           </p:cNvPr>
@@ -3375,8 +3703,8 @@
         </p:nvSpPr>
         <p:spPr>
           <a:xfrm>
-            <a:off x="10757934" y="3429000"/>
-            <a:ext cx="586902" cy="2709153"/>
+            <a:off x="5036234" y="225083"/>
+            <a:ext cx="647114" cy="2236763"/>
           </a:xfrm>
           <a:prstGeom prst="rect">
             <a:avLst/>
@@ -3415,10 +3743,10 @@
       </p:sp>
       <p:sp>
         <p:nvSpPr>
-          <p:cNvPr id="13" name="Rectangle 12">
-            <a:extLst>
-              <a:ext uri="{FF2B5EF4-FFF2-40B4-BE49-F238E27FC236}">
-                <a16:creationId xmlns:a16="http://schemas.microsoft.com/office/drawing/2014/main" id="{8A3C4076-908D-2249-9E40-0D390071808D}"/>
+          <p:cNvPr id="5" name="Rectangle 4">
+            <a:extLst>
+              <a:ext uri="{FF2B5EF4-FFF2-40B4-BE49-F238E27FC236}">
+                <a16:creationId xmlns:a16="http://schemas.microsoft.com/office/drawing/2014/main" id="{1B5F805E-451B-0E48-A92C-81DEB6B1FD5C}"/>
               </a:ext>
             </a:extLst>
           </p:cNvPr>
@@ -3427,8 +3755,8 @@
         </p:nvSpPr>
         <p:spPr>
           <a:xfrm>
-            <a:off x="6101746" y="3428999"/>
-            <a:ext cx="586902" cy="2709153"/>
+            <a:off x="5036234" y="2686929"/>
+            <a:ext cx="647114" cy="2236763"/>
           </a:xfrm>
           <a:prstGeom prst="rect">
             <a:avLst/>
@@ -3465,10 +3793,428 @@
           </a:p>
         </p:txBody>
       </p:sp>
+      <p:sp>
+        <p:nvSpPr>
+          <p:cNvPr id="6" name="Rectangle 5">
+            <a:extLst>
+              <a:ext uri="{FF2B5EF4-FFF2-40B4-BE49-F238E27FC236}">
+                <a16:creationId xmlns:a16="http://schemas.microsoft.com/office/drawing/2014/main" id="{5F3D1CA7-F6C3-0F45-AF1E-FEF70A23B7F7}"/>
+              </a:ext>
+            </a:extLst>
+          </p:cNvPr>
+          <p:cNvSpPr/>
+          <p:nvPr/>
+        </p:nvSpPr>
+        <p:spPr>
+          <a:xfrm>
+            <a:off x="10998591" y="2686928"/>
+            <a:ext cx="647114" cy="2236763"/>
+          </a:xfrm>
+          <a:prstGeom prst="rect">
+            <a:avLst/>
+          </a:prstGeom>
+          <a:solidFill>
+            <a:schemeClr val="bg1"/>
+          </a:solidFill>
+          <a:ln>
+            <a:noFill/>
+          </a:ln>
+        </p:spPr>
+        <p:style>
+          <a:lnRef idx="2">
+            <a:schemeClr val="accent1">
+              <a:shade val="50000"/>
+            </a:schemeClr>
+          </a:lnRef>
+          <a:fillRef idx="1">
+            <a:schemeClr val="accent1"/>
+          </a:fillRef>
+          <a:effectRef idx="0">
+            <a:schemeClr val="accent1"/>
+          </a:effectRef>
+          <a:fontRef idx="minor">
+            <a:schemeClr val="lt1"/>
+          </a:fontRef>
+        </p:style>
+        <p:txBody>
+          <a:bodyPr rtlCol="0" anchor="ctr"/>
+          <a:lstStyle/>
+          <a:p>
+            <a:pPr algn="ctr"/>
+            <a:endParaRPr lang="en-US"/>
+          </a:p>
+        </p:txBody>
+      </p:sp>
+      <p:pic>
+        <p:nvPicPr>
+          <p:cNvPr id="8" name="Picture 7">
+            <a:extLst>
+              <a:ext uri="{FF2B5EF4-FFF2-40B4-BE49-F238E27FC236}">
+                <a16:creationId xmlns:a16="http://schemas.microsoft.com/office/drawing/2014/main" id="{F63F7A9E-DC84-FA40-BA68-38E05817E400}"/>
+              </a:ext>
+            </a:extLst>
+          </p:cNvPr>
+          <p:cNvPicPr>
+            <a:picLocks noChangeAspect="1"/>
+          </p:cNvPicPr>
+          <p:nvPr/>
+        </p:nvPicPr>
+        <p:blipFill>
+          <a:blip r:embed="rId2"/>
+          <a:stretch>
+            <a:fillRect/>
+          </a:stretch>
+        </p:blipFill>
+        <p:spPr>
+          <a:xfrm>
+            <a:off x="0" y="0"/>
+            <a:ext cx="11887200" cy="5403273"/>
+          </a:xfrm>
+          <a:prstGeom prst="rect">
+            <a:avLst/>
+          </a:prstGeom>
+        </p:spPr>
+      </p:pic>
+      <p:sp>
+        <p:nvSpPr>
+          <p:cNvPr id="7" name="Rectangle 6">
+            <a:extLst>
+              <a:ext uri="{FF2B5EF4-FFF2-40B4-BE49-F238E27FC236}">
+                <a16:creationId xmlns:a16="http://schemas.microsoft.com/office/drawing/2014/main" id="{7BBB35AC-7FC1-DA4F-B544-57B10F06D758}"/>
+              </a:ext>
+            </a:extLst>
+          </p:cNvPr>
+          <p:cNvSpPr/>
+          <p:nvPr/>
+        </p:nvSpPr>
+        <p:spPr>
+          <a:xfrm>
+            <a:off x="5036234" y="225083"/>
+            <a:ext cx="647114" cy="2236763"/>
+          </a:xfrm>
+          <a:prstGeom prst="rect">
+            <a:avLst/>
+          </a:prstGeom>
+          <a:solidFill>
+            <a:schemeClr val="bg1"/>
+          </a:solidFill>
+          <a:ln>
+            <a:noFill/>
+          </a:ln>
+        </p:spPr>
+        <p:style>
+          <a:lnRef idx="2">
+            <a:schemeClr val="accent1">
+              <a:shade val="50000"/>
+            </a:schemeClr>
+          </a:lnRef>
+          <a:fillRef idx="1">
+            <a:schemeClr val="accent1"/>
+          </a:fillRef>
+          <a:effectRef idx="0">
+            <a:schemeClr val="accent1"/>
+          </a:effectRef>
+          <a:fontRef idx="minor">
+            <a:schemeClr val="lt1"/>
+          </a:fontRef>
+        </p:style>
+        <p:txBody>
+          <a:bodyPr rtlCol="0" anchor="ctr"/>
+          <a:lstStyle/>
+          <a:p>
+            <a:pPr algn="ctr"/>
+            <a:endParaRPr lang="en-US"/>
+          </a:p>
+        </p:txBody>
+      </p:sp>
+      <p:sp>
+        <p:nvSpPr>
+          <p:cNvPr id="9" name="Rectangle 8">
+            <a:extLst>
+              <a:ext uri="{FF2B5EF4-FFF2-40B4-BE49-F238E27FC236}">
+                <a16:creationId xmlns:a16="http://schemas.microsoft.com/office/drawing/2014/main" id="{0D9D0039-8D9F-6D44-BD70-3F89B6E29811}"/>
+              </a:ext>
+            </a:extLst>
+          </p:cNvPr>
+          <p:cNvSpPr/>
+          <p:nvPr/>
+        </p:nvSpPr>
+        <p:spPr>
+          <a:xfrm>
+            <a:off x="5036234" y="2686929"/>
+            <a:ext cx="647114" cy="2236763"/>
+          </a:xfrm>
+          <a:prstGeom prst="rect">
+            <a:avLst/>
+          </a:prstGeom>
+          <a:solidFill>
+            <a:schemeClr val="bg1"/>
+          </a:solidFill>
+          <a:ln>
+            <a:noFill/>
+          </a:ln>
+        </p:spPr>
+        <p:style>
+          <a:lnRef idx="2">
+            <a:schemeClr val="accent1">
+              <a:shade val="50000"/>
+            </a:schemeClr>
+          </a:lnRef>
+          <a:fillRef idx="1">
+            <a:schemeClr val="accent1"/>
+          </a:fillRef>
+          <a:effectRef idx="0">
+            <a:schemeClr val="accent1"/>
+          </a:effectRef>
+          <a:fontRef idx="minor">
+            <a:schemeClr val="lt1"/>
+          </a:fontRef>
+        </p:style>
+        <p:txBody>
+          <a:bodyPr rtlCol="0" anchor="ctr"/>
+          <a:lstStyle/>
+          <a:p>
+            <a:pPr algn="ctr"/>
+            <a:endParaRPr lang="en-US"/>
+          </a:p>
+        </p:txBody>
+      </p:sp>
+      <p:sp>
+        <p:nvSpPr>
+          <p:cNvPr id="10" name="Rectangle 9">
+            <a:extLst>
+              <a:ext uri="{FF2B5EF4-FFF2-40B4-BE49-F238E27FC236}">
+                <a16:creationId xmlns:a16="http://schemas.microsoft.com/office/drawing/2014/main" id="{40F2B418-3F47-2643-98A5-27E401D236AE}"/>
+              </a:ext>
+            </a:extLst>
+          </p:cNvPr>
+          <p:cNvSpPr/>
+          <p:nvPr/>
+        </p:nvSpPr>
+        <p:spPr>
+          <a:xfrm>
+            <a:off x="10998591" y="2686928"/>
+            <a:ext cx="647114" cy="2236763"/>
+          </a:xfrm>
+          <a:prstGeom prst="rect">
+            <a:avLst/>
+          </a:prstGeom>
+          <a:solidFill>
+            <a:schemeClr val="bg1"/>
+          </a:solidFill>
+          <a:ln>
+            <a:noFill/>
+          </a:ln>
+        </p:spPr>
+        <p:style>
+          <a:lnRef idx="2">
+            <a:schemeClr val="accent1">
+              <a:shade val="50000"/>
+            </a:schemeClr>
+          </a:lnRef>
+          <a:fillRef idx="1">
+            <a:schemeClr val="accent1"/>
+          </a:fillRef>
+          <a:effectRef idx="0">
+            <a:schemeClr val="accent1"/>
+          </a:effectRef>
+          <a:fontRef idx="minor">
+            <a:schemeClr val="lt1"/>
+          </a:fontRef>
+        </p:style>
+        <p:txBody>
+          <a:bodyPr rtlCol="0" anchor="ctr"/>
+          <a:lstStyle/>
+          <a:p>
+            <a:pPr algn="ctr"/>
+            <a:endParaRPr lang="en-US"/>
+          </a:p>
+        </p:txBody>
+      </p:sp>
     </p:spTree>
     <p:extLst>
       <p:ext uri="{BB962C8B-B14F-4D97-AF65-F5344CB8AC3E}">
-        <p14:creationId xmlns:p14="http://schemas.microsoft.com/office/powerpoint/2010/main" val="3357905095"/>
+        <p14:creationId xmlns:p14="http://schemas.microsoft.com/office/powerpoint/2010/main" val="2813380691"/>
+      </p:ext>
+    </p:extLst>
+  </p:cSld>
+  <p:clrMapOvr>
+    <a:masterClrMapping/>
+  </p:clrMapOvr>
+</p:sld>
+</file>
+
+<file path=ppt/slides/slide10.xml><?xml version="1.0" encoding="utf-8"?>
+<p:sld xmlns:a="http://schemas.openxmlformats.org/drawingml/2006/main" xmlns:r="http://schemas.openxmlformats.org/officeDocument/2006/relationships" xmlns:p="http://schemas.openxmlformats.org/presentationml/2006/main">
+  <p:cSld>
+    <p:spTree>
+      <p:nvGrpSpPr>
+        <p:cNvPr id="1" name=""/>
+        <p:cNvGrpSpPr/>
+        <p:nvPr/>
+      </p:nvGrpSpPr>
+      <p:grpSpPr>
+        <a:xfrm>
+          <a:off x="0" y="0"/>
+          <a:ext cx="0" cy="0"/>
+          <a:chOff x="0" y="0"/>
+          <a:chExt cx="0" cy="0"/>
+        </a:xfrm>
+      </p:grpSpPr>
+      <p:pic>
+        <p:nvPicPr>
+          <p:cNvPr id="3" name="Picture 2">
+            <a:extLst>
+              <a:ext uri="{FF2B5EF4-FFF2-40B4-BE49-F238E27FC236}">
+                <a16:creationId xmlns:a16="http://schemas.microsoft.com/office/drawing/2014/main" id="{273EF5DB-5246-6F44-93A7-E1F1C887EDD2}"/>
+              </a:ext>
+            </a:extLst>
+          </p:cNvPr>
+          <p:cNvPicPr>
+            <a:picLocks noChangeAspect="1"/>
+          </p:cNvPicPr>
+          <p:nvPr/>
+        </p:nvPicPr>
+        <p:blipFill>
+          <a:blip r:embed="rId2"/>
+          <a:stretch>
+            <a:fillRect/>
+          </a:stretch>
+        </p:blipFill>
+        <p:spPr>
+          <a:xfrm>
+            <a:off x="0" y="0"/>
+            <a:ext cx="11887200" cy="5403273"/>
+          </a:xfrm>
+          <a:prstGeom prst="rect">
+            <a:avLst/>
+          </a:prstGeom>
+        </p:spPr>
+      </p:pic>
+    </p:spTree>
+    <p:extLst>
+      <p:ext uri="{BB962C8B-B14F-4D97-AF65-F5344CB8AC3E}">
+        <p14:creationId xmlns:p14="http://schemas.microsoft.com/office/powerpoint/2010/main" val="1143570481"/>
+      </p:ext>
+    </p:extLst>
+  </p:cSld>
+  <p:clrMapOvr>
+    <a:masterClrMapping/>
+  </p:clrMapOvr>
+</p:sld>
+</file>
+
+<file path=ppt/slides/slide11.xml><?xml version="1.0" encoding="utf-8"?>
+<p:sld xmlns:a="http://schemas.openxmlformats.org/drawingml/2006/main" xmlns:r="http://schemas.openxmlformats.org/officeDocument/2006/relationships" xmlns:p="http://schemas.openxmlformats.org/presentationml/2006/main">
+  <p:cSld>
+    <p:spTree>
+      <p:nvGrpSpPr>
+        <p:cNvPr id="1" name=""/>
+        <p:cNvGrpSpPr/>
+        <p:nvPr/>
+      </p:nvGrpSpPr>
+      <p:grpSpPr>
+        <a:xfrm>
+          <a:off x="0" y="0"/>
+          <a:ext cx="0" cy="0"/>
+          <a:chOff x="0" y="0"/>
+          <a:chExt cx="0" cy="0"/>
+        </a:xfrm>
+      </p:grpSpPr>
+      <p:pic>
+        <p:nvPicPr>
+          <p:cNvPr id="7" name="Picture 6">
+            <a:extLst>
+              <a:ext uri="{FF2B5EF4-FFF2-40B4-BE49-F238E27FC236}">
+                <a16:creationId xmlns:a16="http://schemas.microsoft.com/office/drawing/2014/main" id="{A989F1B5-763C-AB41-A224-193035B82A53}"/>
+              </a:ext>
+            </a:extLst>
+          </p:cNvPr>
+          <p:cNvPicPr>
+            <a:picLocks noChangeAspect="1"/>
+          </p:cNvPicPr>
+          <p:nvPr/>
+        </p:nvPicPr>
+        <p:blipFill>
+          <a:blip r:embed="rId2"/>
+          <a:stretch>
+            <a:fillRect/>
+          </a:stretch>
+        </p:blipFill>
+        <p:spPr>
+          <a:xfrm>
+            <a:off x="0" y="0"/>
+            <a:ext cx="11887200" cy="5403273"/>
+          </a:xfrm>
+          <a:prstGeom prst="rect">
+            <a:avLst/>
+          </a:prstGeom>
+        </p:spPr>
+      </p:pic>
+    </p:spTree>
+    <p:extLst>
+      <p:ext uri="{BB962C8B-B14F-4D97-AF65-F5344CB8AC3E}">
+        <p14:creationId xmlns:p14="http://schemas.microsoft.com/office/powerpoint/2010/main" val="130450704"/>
+      </p:ext>
+    </p:extLst>
+  </p:cSld>
+  <p:clrMapOvr>
+    <a:masterClrMapping/>
+  </p:clrMapOvr>
+</p:sld>
+</file>
+
+<file path=ppt/slides/slide12.xml><?xml version="1.0" encoding="utf-8"?>
+<p:sld xmlns:a="http://schemas.openxmlformats.org/drawingml/2006/main" xmlns:r="http://schemas.openxmlformats.org/officeDocument/2006/relationships" xmlns:p="http://schemas.openxmlformats.org/presentationml/2006/main">
+  <p:cSld>
+    <p:spTree>
+      <p:nvGrpSpPr>
+        <p:cNvPr id="1" name=""/>
+        <p:cNvGrpSpPr/>
+        <p:nvPr/>
+      </p:nvGrpSpPr>
+      <p:grpSpPr>
+        <a:xfrm>
+          <a:off x="0" y="0"/>
+          <a:ext cx="0" cy="0"/>
+          <a:chOff x="0" y="0"/>
+          <a:chExt cx="0" cy="0"/>
+        </a:xfrm>
+      </p:grpSpPr>
+      <p:pic>
+        <p:nvPicPr>
+          <p:cNvPr id="3" name="Picture 2">
+            <a:extLst>
+              <a:ext uri="{FF2B5EF4-FFF2-40B4-BE49-F238E27FC236}">
+                <a16:creationId xmlns:a16="http://schemas.microsoft.com/office/drawing/2014/main" id="{29D1E30C-AFD0-1C47-B5A2-961FA38DB9BA}"/>
+              </a:ext>
+            </a:extLst>
+          </p:cNvPr>
+          <p:cNvPicPr>
+            <a:picLocks noChangeAspect="1"/>
+          </p:cNvPicPr>
+          <p:nvPr/>
+        </p:nvPicPr>
+        <p:blipFill>
+          <a:blip r:embed="rId2"/>
+          <a:stretch>
+            <a:fillRect/>
+          </a:stretch>
+        </p:blipFill>
+        <p:spPr>
+          <a:xfrm>
+            <a:off x="0" y="0"/>
+            <a:ext cx="11887200" cy="5403273"/>
+          </a:xfrm>
+          <a:prstGeom prst="rect">
+            <a:avLst/>
+          </a:prstGeom>
+        </p:spPr>
+      </p:pic>
+    </p:spTree>
+    <p:extLst>
+      <p:ext uri="{BB962C8B-B14F-4D97-AF65-F5344CB8AC3E}">
+        <p14:creationId xmlns:p14="http://schemas.microsoft.com/office/powerpoint/2010/main" val="678074634"/>
       </p:ext>
     </p:extLst>
   </p:cSld>
@@ -3497,10 +4243,10 @@
       </p:grpSpPr>
       <p:pic>
         <p:nvPicPr>
-          <p:cNvPr id="5" name="Picture 4">
-            <a:extLst>
-              <a:ext uri="{FF2B5EF4-FFF2-40B4-BE49-F238E27FC236}">
-                <a16:creationId xmlns:a16="http://schemas.microsoft.com/office/drawing/2014/main" id="{96BCF93E-A6ED-154E-A601-3B5E528F5E8F}"/>
+          <p:cNvPr id="3" name="Picture 2">
+            <a:extLst>
+              <a:ext uri="{FF2B5EF4-FFF2-40B4-BE49-F238E27FC236}">
+                <a16:creationId xmlns:a16="http://schemas.microsoft.com/office/drawing/2014/main" id="{D2A3CCFA-7E1F-104B-BFB4-5712A6376DB0}"/>
               </a:ext>
             </a:extLst>
           </p:cNvPr>
@@ -3517,8 +4263,8 @@
         </p:blipFill>
         <p:spPr>
           <a:xfrm>
-            <a:off x="609600" y="228600"/>
-            <a:ext cx="10972800" cy="6400800"/>
+            <a:off x="0" y="0"/>
+            <a:ext cx="11887200" cy="5403273"/>
           </a:xfrm>
           <a:prstGeom prst="rect">
             <a:avLst/>
@@ -3527,10 +4273,10 @@
       </p:pic>
       <p:sp>
         <p:nvSpPr>
-          <p:cNvPr id="3" name="Rectangle 2">
-            <a:extLst>
-              <a:ext uri="{FF2B5EF4-FFF2-40B4-BE49-F238E27FC236}">
-                <a16:creationId xmlns:a16="http://schemas.microsoft.com/office/drawing/2014/main" id="{524F9CC3-9AC8-4948-9B4F-FA2E5FCF879F}"/>
+          <p:cNvPr id="4" name="Rectangle 3">
+            <a:extLst>
+              <a:ext uri="{FF2B5EF4-FFF2-40B4-BE49-F238E27FC236}">
+                <a16:creationId xmlns:a16="http://schemas.microsoft.com/office/drawing/2014/main" id="{33B08E0A-BB53-1540-B511-98A8663D087C}"/>
               </a:ext>
             </a:extLst>
           </p:cNvPr>
@@ -3539,8 +4285,8 @@
         </p:nvSpPr>
         <p:spPr>
           <a:xfrm>
-            <a:off x="10693940" y="3352609"/>
-            <a:ext cx="586902" cy="2709153"/>
+            <a:off x="5036234" y="225083"/>
+            <a:ext cx="647114" cy="2236763"/>
           </a:xfrm>
           <a:prstGeom prst="rect">
             <a:avLst/>
@@ -3573,16 +4319,16 @@
           <a:lstStyle/>
           <a:p>
             <a:pPr algn="ctr"/>
-            <a:endParaRPr lang="en-US" dirty="0"/>
-          </a:p>
-        </p:txBody>
-      </p:sp>
-      <p:sp>
-        <p:nvSpPr>
-          <p:cNvPr id="4" name="Rectangle 3">
-            <a:extLst>
-              <a:ext uri="{FF2B5EF4-FFF2-40B4-BE49-F238E27FC236}">
-                <a16:creationId xmlns:a16="http://schemas.microsoft.com/office/drawing/2014/main" id="{182356AF-8FC6-9C4F-9F36-2AFF21B10764}"/>
+            <a:endParaRPr lang="en-US"/>
+          </a:p>
+        </p:txBody>
+      </p:sp>
+      <p:sp>
+        <p:nvSpPr>
+          <p:cNvPr id="5" name="Rectangle 4">
+            <a:extLst>
+              <a:ext uri="{FF2B5EF4-FFF2-40B4-BE49-F238E27FC236}">
+                <a16:creationId xmlns:a16="http://schemas.microsoft.com/office/drawing/2014/main" id="{FD0431D0-0045-7740-B013-14B67A28AFBA}"/>
               </a:ext>
             </a:extLst>
           </p:cNvPr>
@@ -3591,8 +4337,8 @@
         </p:nvSpPr>
         <p:spPr>
           <a:xfrm>
-            <a:off x="6096000" y="3366056"/>
-            <a:ext cx="586902" cy="2709153"/>
+            <a:off x="5036234" y="2686929"/>
+            <a:ext cx="647114" cy="2236763"/>
           </a:xfrm>
           <a:prstGeom prst="rect">
             <a:avLst/>
@@ -3629,10 +4375,62 @@
           </a:p>
         </p:txBody>
       </p:sp>
+      <p:sp>
+        <p:nvSpPr>
+          <p:cNvPr id="6" name="Rectangle 5">
+            <a:extLst>
+              <a:ext uri="{FF2B5EF4-FFF2-40B4-BE49-F238E27FC236}">
+                <a16:creationId xmlns:a16="http://schemas.microsoft.com/office/drawing/2014/main" id="{2BF3471B-BA08-974D-A42B-00780384E9A8}"/>
+              </a:ext>
+            </a:extLst>
+          </p:cNvPr>
+          <p:cNvSpPr/>
+          <p:nvPr/>
+        </p:nvSpPr>
+        <p:spPr>
+          <a:xfrm>
+            <a:off x="10998591" y="2686928"/>
+            <a:ext cx="647114" cy="2236763"/>
+          </a:xfrm>
+          <a:prstGeom prst="rect">
+            <a:avLst/>
+          </a:prstGeom>
+          <a:solidFill>
+            <a:schemeClr val="bg1"/>
+          </a:solidFill>
+          <a:ln>
+            <a:noFill/>
+          </a:ln>
+        </p:spPr>
+        <p:style>
+          <a:lnRef idx="2">
+            <a:schemeClr val="accent1">
+              <a:shade val="50000"/>
+            </a:schemeClr>
+          </a:lnRef>
+          <a:fillRef idx="1">
+            <a:schemeClr val="accent1"/>
+          </a:fillRef>
+          <a:effectRef idx="0">
+            <a:schemeClr val="accent1"/>
+          </a:effectRef>
+          <a:fontRef idx="minor">
+            <a:schemeClr val="lt1"/>
+          </a:fontRef>
+        </p:style>
+        <p:txBody>
+          <a:bodyPr rtlCol="0" anchor="ctr"/>
+          <a:lstStyle/>
+          <a:p>
+            <a:pPr algn="ctr"/>
+            <a:endParaRPr lang="en-US"/>
+          </a:p>
+        </p:txBody>
+      </p:sp>
     </p:spTree>
     <p:extLst>
       <p:ext uri="{BB962C8B-B14F-4D97-AF65-F5344CB8AC3E}">
-        <p14:creationId xmlns:p14="http://schemas.microsoft.com/office/powerpoint/2010/main" val="2517474811"/>
+        <p14:creationId xmlns:p14="http://schemas.microsoft.com/office/powerpoint/2010/main" val="3849274325"/>
       </p:ext>
     </p:extLst>
   </p:cSld>
@@ -3664,7 +4462,7 @@
           <p:cNvPr id="3" name="Picture 2">
             <a:extLst>
               <a:ext uri="{FF2B5EF4-FFF2-40B4-BE49-F238E27FC236}">
-                <a16:creationId xmlns:a16="http://schemas.microsoft.com/office/drawing/2014/main" id="{0A526541-952E-E040-931B-1B2CBCE7CAE3}"/>
+                <a16:creationId xmlns:a16="http://schemas.microsoft.com/office/drawing/2014/main" id="{5FB0E007-1B12-824F-9B6B-2F67DD8B3794}"/>
               </a:ext>
             </a:extLst>
           </p:cNvPr>
@@ -3681,8 +4479,8 @@
         </p:blipFill>
         <p:spPr>
           <a:xfrm>
-            <a:off x="609600" y="228600"/>
-            <a:ext cx="10972800" cy="6400800"/>
+            <a:off x="0" y="0"/>
+            <a:ext cx="11887200" cy="5403273"/>
           </a:xfrm>
           <a:prstGeom prst="rect">
             <a:avLst/>
@@ -3694,7 +4492,7 @@
           <p:cNvPr id="4" name="Rectangle 3">
             <a:extLst>
               <a:ext uri="{FF2B5EF4-FFF2-40B4-BE49-F238E27FC236}">
-                <a16:creationId xmlns:a16="http://schemas.microsoft.com/office/drawing/2014/main" id="{28923C54-2D0F-D043-8352-D359C90FD451}"/>
+                <a16:creationId xmlns:a16="http://schemas.microsoft.com/office/drawing/2014/main" id="{655B54C5-A53E-9C46-BB15-16051379DAA7}"/>
               </a:ext>
             </a:extLst>
           </p:cNvPr>
@@ -3703,8 +4501,8 @@
         </p:nvSpPr>
         <p:spPr>
           <a:xfrm>
-            <a:off x="10693940" y="3352609"/>
-            <a:ext cx="586902" cy="2709153"/>
+            <a:off x="5036234" y="225083"/>
+            <a:ext cx="647114" cy="2236763"/>
           </a:xfrm>
           <a:prstGeom prst="rect">
             <a:avLst/>
@@ -3746,7 +4544,7 @@
           <p:cNvPr id="5" name="Rectangle 4">
             <a:extLst>
               <a:ext uri="{FF2B5EF4-FFF2-40B4-BE49-F238E27FC236}">
-                <a16:creationId xmlns:a16="http://schemas.microsoft.com/office/drawing/2014/main" id="{433B5E91-4812-AB4F-8FDE-2B0AFD18DC66}"/>
+                <a16:creationId xmlns:a16="http://schemas.microsoft.com/office/drawing/2014/main" id="{7D2A643B-A84F-6345-9AA9-29CC96A9F6FB}"/>
               </a:ext>
             </a:extLst>
           </p:cNvPr>
@@ -3755,8 +4553,8 @@
         </p:nvSpPr>
         <p:spPr>
           <a:xfrm>
-            <a:off x="6044119" y="3352608"/>
-            <a:ext cx="586902" cy="2709153"/>
+            <a:off x="5036234" y="2686929"/>
+            <a:ext cx="647114" cy="2236763"/>
           </a:xfrm>
           <a:prstGeom prst="rect">
             <a:avLst/>
@@ -3793,10 +4591,62 @@
           </a:p>
         </p:txBody>
       </p:sp>
+      <p:sp>
+        <p:nvSpPr>
+          <p:cNvPr id="6" name="Rectangle 5">
+            <a:extLst>
+              <a:ext uri="{FF2B5EF4-FFF2-40B4-BE49-F238E27FC236}">
+                <a16:creationId xmlns:a16="http://schemas.microsoft.com/office/drawing/2014/main" id="{AE800E00-1046-B840-9C20-E817210F7575}"/>
+              </a:ext>
+            </a:extLst>
+          </p:cNvPr>
+          <p:cNvSpPr/>
+          <p:nvPr/>
+        </p:nvSpPr>
+        <p:spPr>
+          <a:xfrm>
+            <a:off x="10998591" y="2686928"/>
+            <a:ext cx="647114" cy="2236763"/>
+          </a:xfrm>
+          <a:prstGeom prst="rect">
+            <a:avLst/>
+          </a:prstGeom>
+          <a:solidFill>
+            <a:schemeClr val="bg1"/>
+          </a:solidFill>
+          <a:ln>
+            <a:noFill/>
+          </a:ln>
+        </p:spPr>
+        <p:style>
+          <a:lnRef idx="2">
+            <a:schemeClr val="accent1">
+              <a:shade val="50000"/>
+            </a:schemeClr>
+          </a:lnRef>
+          <a:fillRef idx="1">
+            <a:schemeClr val="accent1"/>
+          </a:fillRef>
+          <a:effectRef idx="0">
+            <a:schemeClr val="accent1"/>
+          </a:effectRef>
+          <a:fontRef idx="minor">
+            <a:schemeClr val="lt1"/>
+          </a:fontRef>
+        </p:style>
+        <p:txBody>
+          <a:bodyPr rtlCol="0" anchor="ctr"/>
+          <a:lstStyle/>
+          <a:p>
+            <a:pPr algn="ctr"/>
+            <a:endParaRPr lang="en-US"/>
+          </a:p>
+        </p:txBody>
+      </p:sp>
     </p:spTree>
     <p:extLst>
       <p:ext uri="{BB962C8B-B14F-4D97-AF65-F5344CB8AC3E}">
-        <p14:creationId xmlns:p14="http://schemas.microsoft.com/office/powerpoint/2010/main" val="1794026452"/>
+        <p14:creationId xmlns:p14="http://schemas.microsoft.com/office/powerpoint/2010/main" val="2979468900"/>
       </p:ext>
     </p:extLst>
   </p:cSld>
@@ -3825,10 +4675,10 @@
       </p:grpSpPr>
       <p:pic>
         <p:nvPicPr>
-          <p:cNvPr id="4" name="Picture 3">
-            <a:extLst>
-              <a:ext uri="{FF2B5EF4-FFF2-40B4-BE49-F238E27FC236}">
-                <a16:creationId xmlns:a16="http://schemas.microsoft.com/office/drawing/2014/main" id="{C405C394-C889-4B4F-BA9D-EBCEC534E38D}"/>
+          <p:cNvPr id="3" name="Picture 2">
+            <a:extLst>
+              <a:ext uri="{FF2B5EF4-FFF2-40B4-BE49-F238E27FC236}">
+                <a16:creationId xmlns:a16="http://schemas.microsoft.com/office/drawing/2014/main" id="{56699DEC-A407-EB44-A84C-40911BF67222}"/>
               </a:ext>
             </a:extLst>
           </p:cNvPr>
@@ -3845,8 +4695,8 @@
         </p:blipFill>
         <p:spPr>
           <a:xfrm>
-            <a:off x="609600" y="228600"/>
-            <a:ext cx="10972800" cy="6400800"/>
+            <a:off x="0" y="0"/>
+            <a:ext cx="11887200" cy="5403273"/>
           </a:xfrm>
           <a:prstGeom prst="rect">
             <a:avLst/>
@@ -3856,7 +4706,7 @@
     </p:spTree>
     <p:extLst>
       <p:ext uri="{BB962C8B-B14F-4D97-AF65-F5344CB8AC3E}">
-        <p14:creationId xmlns:p14="http://schemas.microsoft.com/office/powerpoint/2010/main" val="2679577540"/>
+        <p14:creationId xmlns:p14="http://schemas.microsoft.com/office/powerpoint/2010/main" val="2462332340"/>
       </p:ext>
     </p:extLst>
   </p:cSld>
@@ -3885,10 +4735,10 @@
       </p:grpSpPr>
       <p:pic>
         <p:nvPicPr>
-          <p:cNvPr id="4" name="Picture 3">
-            <a:extLst>
-              <a:ext uri="{FF2B5EF4-FFF2-40B4-BE49-F238E27FC236}">
-                <a16:creationId xmlns:a16="http://schemas.microsoft.com/office/drawing/2014/main" id="{3AF95C46-12FA-764C-97F3-905B355D02AC}"/>
+          <p:cNvPr id="3" name="Picture 2">
+            <a:extLst>
+              <a:ext uri="{FF2B5EF4-FFF2-40B4-BE49-F238E27FC236}">
+                <a16:creationId xmlns:a16="http://schemas.microsoft.com/office/drawing/2014/main" id="{9C418E77-9AD5-4C42-8335-F95C5C1BDAE9}"/>
               </a:ext>
             </a:extLst>
           </p:cNvPr>
@@ -3905,8 +4755,8 @@
         </p:blipFill>
         <p:spPr>
           <a:xfrm>
-            <a:off x="609600" y="228600"/>
-            <a:ext cx="10972800" cy="6400800"/>
+            <a:off x="0" y="0"/>
+            <a:ext cx="11887200" cy="5403273"/>
           </a:xfrm>
           <a:prstGeom prst="rect">
             <a:avLst/>
@@ -3916,7 +4766,7 @@
     </p:spTree>
     <p:extLst>
       <p:ext uri="{BB962C8B-B14F-4D97-AF65-F5344CB8AC3E}">
-        <p14:creationId xmlns:p14="http://schemas.microsoft.com/office/powerpoint/2010/main" val="3692455100"/>
+        <p14:creationId xmlns:p14="http://schemas.microsoft.com/office/powerpoint/2010/main" val="758456333"/>
       </p:ext>
     </p:extLst>
   </p:cSld>
@@ -3945,10 +4795,10 @@
       </p:grpSpPr>
       <p:pic>
         <p:nvPicPr>
-          <p:cNvPr id="4" name="Picture 3">
-            <a:extLst>
-              <a:ext uri="{FF2B5EF4-FFF2-40B4-BE49-F238E27FC236}">
-                <a16:creationId xmlns:a16="http://schemas.microsoft.com/office/drawing/2014/main" id="{A8F561B7-4DFD-FE45-AE06-44394549BCE1}"/>
+          <p:cNvPr id="3" name="Picture 2">
+            <a:extLst>
+              <a:ext uri="{FF2B5EF4-FFF2-40B4-BE49-F238E27FC236}">
+                <a16:creationId xmlns:a16="http://schemas.microsoft.com/office/drawing/2014/main" id="{83A1CFA5-F9C4-F84A-827D-CD0F67875743}"/>
               </a:ext>
             </a:extLst>
           </p:cNvPr>
@@ -3965,8 +4815,8 @@
         </p:blipFill>
         <p:spPr>
           <a:xfrm>
-            <a:off x="609600" y="228600"/>
-            <a:ext cx="10972800" cy="6400800"/>
+            <a:off x="0" y="0"/>
+            <a:ext cx="11887200" cy="5403273"/>
           </a:xfrm>
           <a:prstGeom prst="rect">
             <a:avLst/>
@@ -3976,7 +4826,655 @@
     </p:spTree>
     <p:extLst>
       <p:ext uri="{BB962C8B-B14F-4D97-AF65-F5344CB8AC3E}">
-        <p14:creationId xmlns:p14="http://schemas.microsoft.com/office/powerpoint/2010/main" val="2798951084"/>
+        <p14:creationId xmlns:p14="http://schemas.microsoft.com/office/powerpoint/2010/main" val="473575265"/>
+      </p:ext>
+    </p:extLst>
+  </p:cSld>
+  <p:clrMapOvr>
+    <a:masterClrMapping/>
+  </p:clrMapOvr>
+</p:sld>
+</file>
+
+<file path=ppt/slides/slide7.xml><?xml version="1.0" encoding="utf-8"?>
+<p:sld xmlns:a="http://schemas.openxmlformats.org/drawingml/2006/main" xmlns:r="http://schemas.openxmlformats.org/officeDocument/2006/relationships" xmlns:p="http://schemas.openxmlformats.org/presentationml/2006/main">
+  <p:cSld>
+    <p:spTree>
+      <p:nvGrpSpPr>
+        <p:cNvPr id="1" name=""/>
+        <p:cNvGrpSpPr/>
+        <p:nvPr/>
+      </p:nvGrpSpPr>
+      <p:grpSpPr>
+        <a:xfrm>
+          <a:off x="0" y="0"/>
+          <a:ext cx="0" cy="0"/>
+          <a:chOff x="0" y="0"/>
+          <a:chExt cx="0" cy="0"/>
+        </a:xfrm>
+      </p:grpSpPr>
+      <p:pic>
+        <p:nvPicPr>
+          <p:cNvPr id="3" name="Picture 2">
+            <a:extLst>
+              <a:ext uri="{FF2B5EF4-FFF2-40B4-BE49-F238E27FC236}">
+                <a16:creationId xmlns:a16="http://schemas.microsoft.com/office/drawing/2014/main" id="{E89207CD-BC4A-2C43-A2B4-D1AEC990C18E}"/>
+              </a:ext>
+            </a:extLst>
+          </p:cNvPr>
+          <p:cNvPicPr>
+            <a:picLocks noChangeAspect="1"/>
+          </p:cNvPicPr>
+          <p:nvPr/>
+        </p:nvPicPr>
+        <p:blipFill>
+          <a:blip r:embed="rId2"/>
+          <a:stretch>
+            <a:fillRect/>
+          </a:stretch>
+        </p:blipFill>
+        <p:spPr>
+          <a:xfrm>
+            <a:off x="0" y="0"/>
+            <a:ext cx="11887200" cy="5403273"/>
+          </a:xfrm>
+          <a:prstGeom prst="rect">
+            <a:avLst/>
+          </a:prstGeom>
+        </p:spPr>
+      </p:pic>
+      <p:sp>
+        <p:nvSpPr>
+          <p:cNvPr id="4" name="Rectangle 3">
+            <a:extLst>
+              <a:ext uri="{FF2B5EF4-FFF2-40B4-BE49-F238E27FC236}">
+                <a16:creationId xmlns:a16="http://schemas.microsoft.com/office/drawing/2014/main" id="{73B100E4-8D62-FD47-BAD6-6CCE0A21F96E}"/>
+              </a:ext>
+            </a:extLst>
+          </p:cNvPr>
+          <p:cNvSpPr/>
+          <p:nvPr/>
+        </p:nvSpPr>
+        <p:spPr>
+          <a:xfrm>
+            <a:off x="5036234" y="225083"/>
+            <a:ext cx="647114" cy="2236763"/>
+          </a:xfrm>
+          <a:prstGeom prst="rect">
+            <a:avLst/>
+          </a:prstGeom>
+          <a:solidFill>
+            <a:schemeClr val="bg1"/>
+          </a:solidFill>
+          <a:ln>
+            <a:noFill/>
+          </a:ln>
+        </p:spPr>
+        <p:style>
+          <a:lnRef idx="2">
+            <a:schemeClr val="accent1">
+              <a:shade val="50000"/>
+            </a:schemeClr>
+          </a:lnRef>
+          <a:fillRef idx="1">
+            <a:schemeClr val="accent1"/>
+          </a:fillRef>
+          <a:effectRef idx="0">
+            <a:schemeClr val="accent1"/>
+          </a:effectRef>
+          <a:fontRef idx="minor">
+            <a:schemeClr val="lt1"/>
+          </a:fontRef>
+        </p:style>
+        <p:txBody>
+          <a:bodyPr rtlCol="0" anchor="ctr"/>
+          <a:lstStyle/>
+          <a:p>
+            <a:pPr algn="ctr"/>
+            <a:endParaRPr lang="en-US"/>
+          </a:p>
+        </p:txBody>
+      </p:sp>
+      <p:sp>
+        <p:nvSpPr>
+          <p:cNvPr id="5" name="Rectangle 4">
+            <a:extLst>
+              <a:ext uri="{FF2B5EF4-FFF2-40B4-BE49-F238E27FC236}">
+                <a16:creationId xmlns:a16="http://schemas.microsoft.com/office/drawing/2014/main" id="{B18A4B45-96BF-A844-BB08-987F0DCFC5CB}"/>
+              </a:ext>
+            </a:extLst>
+          </p:cNvPr>
+          <p:cNvSpPr/>
+          <p:nvPr/>
+        </p:nvSpPr>
+        <p:spPr>
+          <a:xfrm>
+            <a:off x="5036234" y="2686929"/>
+            <a:ext cx="647114" cy="2236763"/>
+          </a:xfrm>
+          <a:prstGeom prst="rect">
+            <a:avLst/>
+          </a:prstGeom>
+          <a:solidFill>
+            <a:schemeClr val="bg1"/>
+          </a:solidFill>
+          <a:ln>
+            <a:noFill/>
+          </a:ln>
+        </p:spPr>
+        <p:style>
+          <a:lnRef idx="2">
+            <a:schemeClr val="accent1">
+              <a:shade val="50000"/>
+            </a:schemeClr>
+          </a:lnRef>
+          <a:fillRef idx="1">
+            <a:schemeClr val="accent1"/>
+          </a:fillRef>
+          <a:effectRef idx="0">
+            <a:schemeClr val="accent1"/>
+          </a:effectRef>
+          <a:fontRef idx="minor">
+            <a:schemeClr val="lt1"/>
+          </a:fontRef>
+        </p:style>
+        <p:txBody>
+          <a:bodyPr rtlCol="0" anchor="ctr"/>
+          <a:lstStyle/>
+          <a:p>
+            <a:pPr algn="ctr"/>
+            <a:endParaRPr lang="en-US"/>
+          </a:p>
+        </p:txBody>
+      </p:sp>
+      <p:sp>
+        <p:nvSpPr>
+          <p:cNvPr id="6" name="Rectangle 5">
+            <a:extLst>
+              <a:ext uri="{FF2B5EF4-FFF2-40B4-BE49-F238E27FC236}">
+                <a16:creationId xmlns:a16="http://schemas.microsoft.com/office/drawing/2014/main" id="{AFEB430D-9D88-4547-BC0A-6AEB008B60AB}"/>
+              </a:ext>
+            </a:extLst>
+          </p:cNvPr>
+          <p:cNvSpPr/>
+          <p:nvPr/>
+        </p:nvSpPr>
+        <p:spPr>
+          <a:xfrm>
+            <a:off x="10998591" y="2686928"/>
+            <a:ext cx="647114" cy="2236763"/>
+          </a:xfrm>
+          <a:prstGeom prst="rect">
+            <a:avLst/>
+          </a:prstGeom>
+          <a:solidFill>
+            <a:schemeClr val="bg1"/>
+          </a:solidFill>
+          <a:ln>
+            <a:noFill/>
+          </a:ln>
+        </p:spPr>
+        <p:style>
+          <a:lnRef idx="2">
+            <a:schemeClr val="accent1">
+              <a:shade val="50000"/>
+            </a:schemeClr>
+          </a:lnRef>
+          <a:fillRef idx="1">
+            <a:schemeClr val="accent1"/>
+          </a:fillRef>
+          <a:effectRef idx="0">
+            <a:schemeClr val="accent1"/>
+          </a:effectRef>
+          <a:fontRef idx="minor">
+            <a:schemeClr val="lt1"/>
+          </a:fontRef>
+        </p:style>
+        <p:txBody>
+          <a:bodyPr rtlCol="0" anchor="ctr"/>
+          <a:lstStyle/>
+          <a:p>
+            <a:pPr algn="ctr"/>
+            <a:endParaRPr lang="en-US"/>
+          </a:p>
+        </p:txBody>
+      </p:sp>
+    </p:spTree>
+    <p:extLst>
+      <p:ext uri="{BB962C8B-B14F-4D97-AF65-F5344CB8AC3E}">
+        <p14:creationId xmlns:p14="http://schemas.microsoft.com/office/powerpoint/2010/main" val="818949210"/>
+      </p:ext>
+    </p:extLst>
+  </p:cSld>
+  <p:clrMapOvr>
+    <a:masterClrMapping/>
+  </p:clrMapOvr>
+</p:sld>
+</file>
+
+<file path=ppt/slides/slide8.xml><?xml version="1.0" encoding="utf-8"?>
+<p:sld xmlns:a="http://schemas.openxmlformats.org/drawingml/2006/main" xmlns:r="http://schemas.openxmlformats.org/officeDocument/2006/relationships" xmlns:p="http://schemas.openxmlformats.org/presentationml/2006/main">
+  <p:cSld>
+    <p:spTree>
+      <p:nvGrpSpPr>
+        <p:cNvPr id="1" name=""/>
+        <p:cNvGrpSpPr/>
+        <p:nvPr/>
+      </p:nvGrpSpPr>
+      <p:grpSpPr>
+        <a:xfrm>
+          <a:off x="0" y="0"/>
+          <a:ext cx="0" cy="0"/>
+          <a:chOff x="0" y="0"/>
+          <a:chExt cx="0" cy="0"/>
+        </a:xfrm>
+      </p:grpSpPr>
+      <p:pic>
+        <p:nvPicPr>
+          <p:cNvPr id="3" name="Picture 2">
+            <a:extLst>
+              <a:ext uri="{FF2B5EF4-FFF2-40B4-BE49-F238E27FC236}">
+                <a16:creationId xmlns:a16="http://schemas.microsoft.com/office/drawing/2014/main" id="{1E52755B-DB40-FF40-806E-9BFEF9F98E29}"/>
+              </a:ext>
+            </a:extLst>
+          </p:cNvPr>
+          <p:cNvPicPr>
+            <a:picLocks noChangeAspect="1"/>
+          </p:cNvPicPr>
+          <p:nvPr/>
+        </p:nvPicPr>
+        <p:blipFill>
+          <a:blip r:embed="rId2"/>
+          <a:stretch>
+            <a:fillRect/>
+          </a:stretch>
+        </p:blipFill>
+        <p:spPr>
+          <a:xfrm>
+            <a:off x="0" y="0"/>
+            <a:ext cx="11887200" cy="5403273"/>
+          </a:xfrm>
+          <a:prstGeom prst="rect">
+            <a:avLst/>
+          </a:prstGeom>
+        </p:spPr>
+      </p:pic>
+      <p:sp>
+        <p:nvSpPr>
+          <p:cNvPr id="4" name="Rectangle 3">
+            <a:extLst>
+              <a:ext uri="{FF2B5EF4-FFF2-40B4-BE49-F238E27FC236}">
+                <a16:creationId xmlns:a16="http://schemas.microsoft.com/office/drawing/2014/main" id="{980B6B0F-0473-AC45-BA2F-9F030A553745}"/>
+              </a:ext>
+            </a:extLst>
+          </p:cNvPr>
+          <p:cNvSpPr/>
+          <p:nvPr/>
+        </p:nvSpPr>
+        <p:spPr>
+          <a:xfrm>
+            <a:off x="5036234" y="225083"/>
+            <a:ext cx="647114" cy="2236763"/>
+          </a:xfrm>
+          <a:prstGeom prst="rect">
+            <a:avLst/>
+          </a:prstGeom>
+          <a:solidFill>
+            <a:schemeClr val="bg1"/>
+          </a:solidFill>
+          <a:ln>
+            <a:noFill/>
+          </a:ln>
+        </p:spPr>
+        <p:style>
+          <a:lnRef idx="2">
+            <a:schemeClr val="accent1">
+              <a:shade val="50000"/>
+            </a:schemeClr>
+          </a:lnRef>
+          <a:fillRef idx="1">
+            <a:schemeClr val="accent1"/>
+          </a:fillRef>
+          <a:effectRef idx="0">
+            <a:schemeClr val="accent1"/>
+          </a:effectRef>
+          <a:fontRef idx="minor">
+            <a:schemeClr val="lt1"/>
+          </a:fontRef>
+        </p:style>
+        <p:txBody>
+          <a:bodyPr rtlCol="0" anchor="ctr"/>
+          <a:lstStyle/>
+          <a:p>
+            <a:pPr algn="ctr"/>
+            <a:endParaRPr lang="en-US"/>
+          </a:p>
+        </p:txBody>
+      </p:sp>
+      <p:sp>
+        <p:nvSpPr>
+          <p:cNvPr id="5" name="Rectangle 4">
+            <a:extLst>
+              <a:ext uri="{FF2B5EF4-FFF2-40B4-BE49-F238E27FC236}">
+                <a16:creationId xmlns:a16="http://schemas.microsoft.com/office/drawing/2014/main" id="{B427372D-5CBF-E74F-AA36-828C1AE66943}"/>
+              </a:ext>
+            </a:extLst>
+          </p:cNvPr>
+          <p:cNvSpPr/>
+          <p:nvPr/>
+        </p:nvSpPr>
+        <p:spPr>
+          <a:xfrm>
+            <a:off x="5036234" y="2686929"/>
+            <a:ext cx="647114" cy="2236763"/>
+          </a:xfrm>
+          <a:prstGeom prst="rect">
+            <a:avLst/>
+          </a:prstGeom>
+          <a:solidFill>
+            <a:schemeClr val="bg1"/>
+          </a:solidFill>
+          <a:ln>
+            <a:noFill/>
+          </a:ln>
+        </p:spPr>
+        <p:style>
+          <a:lnRef idx="2">
+            <a:schemeClr val="accent1">
+              <a:shade val="50000"/>
+            </a:schemeClr>
+          </a:lnRef>
+          <a:fillRef idx="1">
+            <a:schemeClr val="accent1"/>
+          </a:fillRef>
+          <a:effectRef idx="0">
+            <a:schemeClr val="accent1"/>
+          </a:effectRef>
+          <a:fontRef idx="minor">
+            <a:schemeClr val="lt1"/>
+          </a:fontRef>
+        </p:style>
+        <p:txBody>
+          <a:bodyPr rtlCol="0" anchor="ctr"/>
+          <a:lstStyle/>
+          <a:p>
+            <a:pPr algn="ctr"/>
+            <a:endParaRPr lang="en-US"/>
+          </a:p>
+        </p:txBody>
+      </p:sp>
+      <p:sp>
+        <p:nvSpPr>
+          <p:cNvPr id="6" name="Rectangle 5">
+            <a:extLst>
+              <a:ext uri="{FF2B5EF4-FFF2-40B4-BE49-F238E27FC236}">
+                <a16:creationId xmlns:a16="http://schemas.microsoft.com/office/drawing/2014/main" id="{87CE6531-D203-404B-88DE-3C6CE21D6C06}"/>
+              </a:ext>
+            </a:extLst>
+          </p:cNvPr>
+          <p:cNvSpPr/>
+          <p:nvPr/>
+        </p:nvSpPr>
+        <p:spPr>
+          <a:xfrm>
+            <a:off x="10998591" y="2686928"/>
+            <a:ext cx="647114" cy="2236763"/>
+          </a:xfrm>
+          <a:prstGeom prst="rect">
+            <a:avLst/>
+          </a:prstGeom>
+          <a:solidFill>
+            <a:schemeClr val="bg1"/>
+          </a:solidFill>
+          <a:ln>
+            <a:noFill/>
+          </a:ln>
+        </p:spPr>
+        <p:style>
+          <a:lnRef idx="2">
+            <a:schemeClr val="accent1">
+              <a:shade val="50000"/>
+            </a:schemeClr>
+          </a:lnRef>
+          <a:fillRef idx="1">
+            <a:schemeClr val="accent1"/>
+          </a:fillRef>
+          <a:effectRef idx="0">
+            <a:schemeClr val="accent1"/>
+          </a:effectRef>
+          <a:fontRef idx="minor">
+            <a:schemeClr val="lt1"/>
+          </a:fontRef>
+        </p:style>
+        <p:txBody>
+          <a:bodyPr rtlCol="0" anchor="ctr"/>
+          <a:lstStyle/>
+          <a:p>
+            <a:pPr algn="ctr"/>
+            <a:endParaRPr lang="en-US"/>
+          </a:p>
+        </p:txBody>
+      </p:sp>
+    </p:spTree>
+    <p:extLst>
+      <p:ext uri="{BB962C8B-B14F-4D97-AF65-F5344CB8AC3E}">
+        <p14:creationId xmlns:p14="http://schemas.microsoft.com/office/powerpoint/2010/main" val="3320681216"/>
+      </p:ext>
+    </p:extLst>
+  </p:cSld>
+  <p:clrMapOvr>
+    <a:masterClrMapping/>
+  </p:clrMapOvr>
+</p:sld>
+</file>
+
+<file path=ppt/slides/slide9.xml><?xml version="1.0" encoding="utf-8"?>
+<p:sld xmlns:a="http://schemas.openxmlformats.org/drawingml/2006/main" xmlns:r="http://schemas.openxmlformats.org/officeDocument/2006/relationships" xmlns:p="http://schemas.openxmlformats.org/presentationml/2006/main">
+  <p:cSld>
+    <p:spTree>
+      <p:nvGrpSpPr>
+        <p:cNvPr id="1" name=""/>
+        <p:cNvGrpSpPr/>
+        <p:nvPr/>
+      </p:nvGrpSpPr>
+      <p:grpSpPr>
+        <a:xfrm>
+          <a:off x="0" y="0"/>
+          <a:ext cx="0" cy="0"/>
+          <a:chOff x="0" y="0"/>
+          <a:chExt cx="0" cy="0"/>
+        </a:xfrm>
+      </p:grpSpPr>
+      <p:pic>
+        <p:nvPicPr>
+          <p:cNvPr id="3" name="Picture 2">
+            <a:extLst>
+              <a:ext uri="{FF2B5EF4-FFF2-40B4-BE49-F238E27FC236}">
+                <a16:creationId xmlns:a16="http://schemas.microsoft.com/office/drawing/2014/main" id="{6B59ED73-5CA4-0149-A25C-65C4762243AD}"/>
+              </a:ext>
+            </a:extLst>
+          </p:cNvPr>
+          <p:cNvPicPr>
+            <a:picLocks noChangeAspect="1"/>
+          </p:cNvPicPr>
+          <p:nvPr/>
+        </p:nvPicPr>
+        <p:blipFill>
+          <a:blip r:embed="rId2"/>
+          <a:stretch>
+            <a:fillRect/>
+          </a:stretch>
+        </p:blipFill>
+        <p:spPr>
+          <a:xfrm>
+            <a:off x="0" y="0"/>
+            <a:ext cx="11887200" cy="5403273"/>
+          </a:xfrm>
+          <a:prstGeom prst="rect">
+            <a:avLst/>
+          </a:prstGeom>
+        </p:spPr>
+      </p:pic>
+      <p:sp>
+        <p:nvSpPr>
+          <p:cNvPr id="4" name="Rectangle 3">
+            <a:extLst>
+              <a:ext uri="{FF2B5EF4-FFF2-40B4-BE49-F238E27FC236}">
+                <a16:creationId xmlns:a16="http://schemas.microsoft.com/office/drawing/2014/main" id="{7303709F-0CBB-1645-A258-E6C5C9ECCE76}"/>
+              </a:ext>
+            </a:extLst>
+          </p:cNvPr>
+          <p:cNvSpPr/>
+          <p:nvPr/>
+        </p:nvSpPr>
+        <p:spPr>
+          <a:xfrm>
+            <a:off x="5036234" y="225083"/>
+            <a:ext cx="647114" cy="2236763"/>
+          </a:xfrm>
+          <a:prstGeom prst="rect">
+            <a:avLst/>
+          </a:prstGeom>
+          <a:solidFill>
+            <a:schemeClr val="bg1"/>
+          </a:solidFill>
+          <a:ln>
+            <a:noFill/>
+          </a:ln>
+        </p:spPr>
+        <p:style>
+          <a:lnRef idx="2">
+            <a:schemeClr val="accent1">
+              <a:shade val="50000"/>
+            </a:schemeClr>
+          </a:lnRef>
+          <a:fillRef idx="1">
+            <a:schemeClr val="accent1"/>
+          </a:fillRef>
+          <a:effectRef idx="0">
+            <a:schemeClr val="accent1"/>
+          </a:effectRef>
+          <a:fontRef idx="minor">
+            <a:schemeClr val="lt1"/>
+          </a:fontRef>
+        </p:style>
+        <p:txBody>
+          <a:bodyPr rtlCol="0" anchor="ctr"/>
+          <a:lstStyle/>
+          <a:p>
+            <a:pPr algn="ctr"/>
+            <a:endParaRPr lang="en-US"/>
+          </a:p>
+        </p:txBody>
+      </p:sp>
+      <p:sp>
+        <p:nvSpPr>
+          <p:cNvPr id="5" name="Rectangle 4">
+            <a:extLst>
+              <a:ext uri="{FF2B5EF4-FFF2-40B4-BE49-F238E27FC236}">
+                <a16:creationId xmlns:a16="http://schemas.microsoft.com/office/drawing/2014/main" id="{E5731046-DA7F-E04B-96C0-6DEBA18CCE96}"/>
+              </a:ext>
+            </a:extLst>
+          </p:cNvPr>
+          <p:cNvSpPr/>
+          <p:nvPr/>
+        </p:nvSpPr>
+        <p:spPr>
+          <a:xfrm>
+            <a:off x="5036234" y="2686929"/>
+            <a:ext cx="647114" cy="2236763"/>
+          </a:xfrm>
+          <a:prstGeom prst="rect">
+            <a:avLst/>
+          </a:prstGeom>
+          <a:solidFill>
+            <a:schemeClr val="bg1"/>
+          </a:solidFill>
+          <a:ln>
+            <a:noFill/>
+          </a:ln>
+        </p:spPr>
+        <p:style>
+          <a:lnRef idx="2">
+            <a:schemeClr val="accent1">
+              <a:shade val="50000"/>
+            </a:schemeClr>
+          </a:lnRef>
+          <a:fillRef idx="1">
+            <a:schemeClr val="accent1"/>
+          </a:fillRef>
+          <a:effectRef idx="0">
+            <a:schemeClr val="accent1"/>
+          </a:effectRef>
+          <a:fontRef idx="minor">
+            <a:schemeClr val="lt1"/>
+          </a:fontRef>
+        </p:style>
+        <p:txBody>
+          <a:bodyPr rtlCol="0" anchor="ctr"/>
+          <a:lstStyle/>
+          <a:p>
+            <a:pPr algn="ctr"/>
+            <a:endParaRPr lang="en-US"/>
+          </a:p>
+        </p:txBody>
+      </p:sp>
+      <p:sp>
+        <p:nvSpPr>
+          <p:cNvPr id="6" name="Rectangle 5">
+            <a:extLst>
+              <a:ext uri="{FF2B5EF4-FFF2-40B4-BE49-F238E27FC236}">
+                <a16:creationId xmlns:a16="http://schemas.microsoft.com/office/drawing/2014/main" id="{8B9542AB-8921-A948-A90D-721CFBCDD8FE}"/>
+              </a:ext>
+            </a:extLst>
+          </p:cNvPr>
+          <p:cNvSpPr/>
+          <p:nvPr/>
+        </p:nvSpPr>
+        <p:spPr>
+          <a:xfrm>
+            <a:off x="10998591" y="2686928"/>
+            <a:ext cx="647114" cy="2236763"/>
+          </a:xfrm>
+          <a:prstGeom prst="rect">
+            <a:avLst/>
+          </a:prstGeom>
+          <a:solidFill>
+            <a:schemeClr val="bg1"/>
+          </a:solidFill>
+          <a:ln>
+            <a:noFill/>
+          </a:ln>
+        </p:spPr>
+        <p:style>
+          <a:lnRef idx="2">
+            <a:schemeClr val="accent1">
+              <a:shade val="50000"/>
+            </a:schemeClr>
+          </a:lnRef>
+          <a:fillRef idx="1">
+            <a:schemeClr val="accent1"/>
+          </a:fillRef>
+          <a:effectRef idx="0">
+            <a:schemeClr val="accent1"/>
+          </a:effectRef>
+          <a:fontRef idx="minor">
+            <a:schemeClr val="lt1"/>
+          </a:fontRef>
+        </p:style>
+        <p:txBody>
+          <a:bodyPr rtlCol="0" anchor="ctr"/>
+          <a:lstStyle/>
+          <a:p>
+            <a:pPr algn="ctr"/>
+            <a:endParaRPr lang="en-US"/>
+          </a:p>
+        </p:txBody>
+      </p:sp>
+    </p:spTree>
+    <p:extLst>
+      <p:ext uri="{BB962C8B-B14F-4D97-AF65-F5344CB8AC3E}">
+        <p14:creationId xmlns:p14="http://schemas.microsoft.com/office/powerpoint/2010/main" val="2696429565"/>
       </p:ext>
     </p:extLst>
   </p:cSld>
@@ -4279,4 +5777,299 @@
     </a:ext>
   </a:extLst>
 </a:theme>
+</file>
+
+<file path=ppt/theme/theme2.xml><?xml version="1.0" encoding="utf-8"?>
+<a:theme xmlns:a="http://schemas.openxmlformats.org/drawingml/2006/main" name="Office Theme">
+  <a:themeElements>
+    <a:clrScheme name="Office">
+      <a:dk1>
+        <a:sysClr val="windowText" lastClr="000000"/>
+      </a:dk1>
+      <a:lt1>
+        <a:sysClr val="window" lastClr="FFFFFF"/>
+      </a:lt1>
+      <a:dk2>
+        <a:srgbClr val="44546A"/>
+      </a:dk2>
+      <a:lt2>
+        <a:srgbClr val="E7E6E6"/>
+      </a:lt2>
+      <a:accent1>
+        <a:srgbClr val="4472C4"/>
+      </a:accent1>
+      <a:accent2>
+        <a:srgbClr val="ED7D31"/>
+      </a:accent2>
+      <a:accent3>
+        <a:srgbClr val="A5A5A5"/>
+      </a:accent3>
+      <a:accent4>
+        <a:srgbClr val="FFC000"/>
+      </a:accent4>
+      <a:accent5>
+        <a:srgbClr val="5B9BD5"/>
+      </a:accent5>
+      <a:accent6>
+        <a:srgbClr val="70AD47"/>
+      </a:accent6>
+      <a:hlink>
+        <a:srgbClr val="0563C1"/>
+      </a:hlink>
+      <a:folHlink>
+        <a:srgbClr val="954F72"/>
+      </a:folHlink>
+    </a:clrScheme>
+    <a:fontScheme name="Office">
+      <a:majorFont>
+        <a:latin typeface="Calibri Light" panose="020F0302020204030204"/>
+        <a:ea typeface=""/>
+        <a:cs typeface=""/>
+        <a:font script="Jpan" typeface="游ゴシック Light"/>
+        <a:font script="Hang" typeface="맑은 고딕"/>
+        <a:font script="Hans" typeface="等线 Light"/>
+        <a:font script="Hant" typeface="新細明體"/>
+        <a:font script="Arab" typeface="Times New Roman"/>
+        <a:font script="Hebr" typeface="Times New Roman"/>
+        <a:font script="Thai" typeface="Angsana New"/>
+        <a:font script="Ethi" typeface="Nyala"/>
+        <a:font script="Beng" typeface="Vrinda"/>
+        <a:font script="Gujr" typeface="Shruti"/>
+        <a:font script="Khmr" typeface="MoolBoran"/>
+        <a:font script="Knda" typeface="Tunga"/>
+        <a:font script="Guru" typeface="Raavi"/>
+        <a:font script="Cans" typeface="Euphemia"/>
+        <a:font script="Cher" typeface="Plantagenet Cherokee"/>
+        <a:font script="Yiii" typeface="Microsoft Yi Baiti"/>
+        <a:font script="Tibt" typeface="Microsoft Himalaya"/>
+        <a:font script="Thaa" typeface="MV Boli"/>
+        <a:font script="Deva" typeface="Mangal"/>
+        <a:font script="Telu" typeface="Gautami"/>
+        <a:font script="Taml" typeface="Latha"/>
+        <a:font script="Syrc" typeface="Estrangelo Edessa"/>
+        <a:font script="Orya" typeface="Kalinga"/>
+        <a:font script="Mlym" typeface="Kartika"/>
+        <a:font script="Laoo" typeface="DokChampa"/>
+        <a:font script="Sinh" typeface="Iskoola Pota"/>
+        <a:font script="Mong" typeface="Mongolian Baiti"/>
+        <a:font script="Viet" typeface="Times New Roman"/>
+        <a:font script="Uigh" typeface="Microsoft Uighur"/>
+        <a:font script="Geor" typeface="Sylfaen"/>
+        <a:font script="Armn" typeface="Arial"/>
+        <a:font script="Bugi" typeface="Leelawadee UI"/>
+        <a:font script="Bopo" typeface="Microsoft JhengHei"/>
+        <a:font script="Java" typeface="Javanese Text"/>
+        <a:font script="Lisu" typeface="Segoe UI"/>
+        <a:font script="Mymr" typeface="Myanmar Text"/>
+        <a:font script="Nkoo" typeface="Ebrima"/>
+        <a:font script="Olck" typeface="Nirmala UI"/>
+        <a:font script="Osma" typeface="Ebrima"/>
+        <a:font script="Phag" typeface="Phagspa"/>
+        <a:font script="Syrn" typeface="Estrangelo Edessa"/>
+        <a:font script="Syrj" typeface="Estrangelo Edessa"/>
+        <a:font script="Syre" typeface="Estrangelo Edessa"/>
+        <a:font script="Sora" typeface="Nirmala UI"/>
+        <a:font script="Tale" typeface="Microsoft Tai Le"/>
+        <a:font script="Talu" typeface="Microsoft New Tai Lue"/>
+        <a:font script="Tfng" typeface="Ebrima"/>
+      </a:majorFont>
+      <a:minorFont>
+        <a:latin typeface="Calibri" panose="020F0502020204030204"/>
+        <a:ea typeface=""/>
+        <a:cs typeface=""/>
+        <a:font script="Jpan" typeface="游ゴシック"/>
+        <a:font script="Hang" typeface="맑은 고딕"/>
+        <a:font script="Hans" typeface="等线"/>
+        <a:font script="Hant" typeface="新細明體"/>
+        <a:font script="Arab" typeface="Arial"/>
+        <a:font script="Hebr" typeface="Arial"/>
+        <a:font script="Thai" typeface="Cordia New"/>
+        <a:font script="Ethi" typeface="Nyala"/>
+        <a:font script="Beng" typeface="Vrinda"/>
+        <a:font script="Gujr" typeface="Shruti"/>
+        <a:font script="Khmr" typeface="DaunPenh"/>
+        <a:font script="Knda" typeface="Tunga"/>
+        <a:font script="Guru" typeface="Raavi"/>
+        <a:font script="Cans" typeface="Euphemia"/>
+        <a:font script="Cher" typeface="Plantagenet Cherokee"/>
+        <a:font script="Yiii" typeface="Microsoft Yi Baiti"/>
+        <a:font script="Tibt" typeface="Microsoft Himalaya"/>
+        <a:font script="Thaa" typeface="MV Boli"/>
+        <a:font script="Deva" typeface="Mangal"/>
+        <a:font script="Telu" typeface="Gautami"/>
+        <a:font script="Taml" typeface="Latha"/>
+        <a:font script="Syrc" typeface="Estrangelo Edessa"/>
+        <a:font script="Orya" typeface="Kalinga"/>
+        <a:font script="Mlym" typeface="Kartika"/>
+        <a:font script="Laoo" typeface="DokChampa"/>
+        <a:font script="Sinh" typeface="Iskoola Pota"/>
+        <a:font script="Mong" typeface="Mongolian Baiti"/>
+        <a:font script="Viet" typeface="Arial"/>
+        <a:font script="Uigh" typeface="Microsoft Uighur"/>
+        <a:font script="Geor" typeface="Sylfaen"/>
+        <a:font script="Armn" typeface="Arial"/>
+        <a:font script="Bugi" typeface="Leelawadee UI"/>
+        <a:font script="Bopo" typeface="Microsoft JhengHei"/>
+        <a:font script="Java" typeface="Javanese Text"/>
+        <a:font script="Lisu" typeface="Segoe UI"/>
+        <a:font script="Mymr" typeface="Myanmar Text"/>
+        <a:font script="Nkoo" typeface="Ebrima"/>
+        <a:font script="Olck" typeface="Nirmala UI"/>
+        <a:font script="Osma" typeface="Ebrima"/>
+        <a:font script="Phag" typeface="Phagspa"/>
+        <a:font script="Syrn" typeface="Estrangelo Edessa"/>
+        <a:font script="Syrj" typeface="Estrangelo Edessa"/>
+        <a:font script="Syre" typeface="Estrangelo Edessa"/>
+        <a:font script="Sora" typeface="Nirmala UI"/>
+        <a:font script="Tale" typeface="Microsoft Tai Le"/>
+        <a:font script="Talu" typeface="Microsoft New Tai Lue"/>
+        <a:font script="Tfng" typeface="Ebrima"/>
+      </a:minorFont>
+    </a:fontScheme>
+    <a:fmtScheme name="Office">
+      <a:fillStyleLst>
+        <a:solidFill>
+          <a:schemeClr val="phClr"/>
+        </a:solidFill>
+        <a:gradFill rotWithShape="1">
+          <a:gsLst>
+            <a:gs pos="0">
+              <a:schemeClr val="phClr">
+                <a:lumMod val="110000"/>
+                <a:satMod val="105000"/>
+                <a:tint val="67000"/>
+              </a:schemeClr>
+            </a:gs>
+            <a:gs pos="50000">
+              <a:schemeClr val="phClr">
+                <a:lumMod val="105000"/>
+                <a:satMod val="103000"/>
+                <a:tint val="73000"/>
+              </a:schemeClr>
+            </a:gs>
+            <a:gs pos="100000">
+              <a:schemeClr val="phClr">
+                <a:lumMod val="105000"/>
+                <a:satMod val="109000"/>
+                <a:tint val="81000"/>
+              </a:schemeClr>
+            </a:gs>
+          </a:gsLst>
+          <a:lin ang="5400000" scaled="0"/>
+        </a:gradFill>
+        <a:gradFill rotWithShape="1">
+          <a:gsLst>
+            <a:gs pos="0">
+              <a:schemeClr val="phClr">
+                <a:satMod val="103000"/>
+                <a:lumMod val="102000"/>
+                <a:tint val="94000"/>
+              </a:schemeClr>
+            </a:gs>
+            <a:gs pos="50000">
+              <a:schemeClr val="phClr">
+                <a:satMod val="110000"/>
+                <a:lumMod val="100000"/>
+                <a:shade val="100000"/>
+              </a:schemeClr>
+            </a:gs>
+            <a:gs pos="100000">
+              <a:schemeClr val="phClr">
+                <a:lumMod val="99000"/>
+                <a:satMod val="120000"/>
+                <a:shade val="78000"/>
+              </a:schemeClr>
+            </a:gs>
+          </a:gsLst>
+          <a:lin ang="5400000" scaled="0"/>
+        </a:gradFill>
+      </a:fillStyleLst>
+      <a:lnStyleLst>
+        <a:ln w="6350" cap="flat" cmpd="sng" algn="ctr">
+          <a:solidFill>
+            <a:schemeClr val="phClr"/>
+          </a:solidFill>
+          <a:prstDash val="solid"/>
+          <a:miter lim="800000"/>
+        </a:ln>
+        <a:ln w="12700" cap="flat" cmpd="sng" algn="ctr">
+          <a:solidFill>
+            <a:schemeClr val="phClr"/>
+          </a:solidFill>
+          <a:prstDash val="solid"/>
+          <a:miter lim="800000"/>
+        </a:ln>
+        <a:ln w="19050" cap="flat" cmpd="sng" algn="ctr">
+          <a:solidFill>
+            <a:schemeClr val="phClr"/>
+          </a:solidFill>
+          <a:prstDash val="solid"/>
+          <a:miter lim="800000"/>
+        </a:ln>
+      </a:lnStyleLst>
+      <a:effectStyleLst>
+        <a:effectStyle>
+          <a:effectLst/>
+        </a:effectStyle>
+        <a:effectStyle>
+          <a:effectLst/>
+        </a:effectStyle>
+        <a:effectStyle>
+          <a:effectLst>
+            <a:outerShdw blurRad="57150" dist="19050" dir="5400000" algn="ctr" rotWithShape="0">
+              <a:srgbClr val="000000">
+                <a:alpha val="63000"/>
+              </a:srgbClr>
+            </a:outerShdw>
+          </a:effectLst>
+        </a:effectStyle>
+      </a:effectStyleLst>
+      <a:bgFillStyleLst>
+        <a:solidFill>
+          <a:schemeClr val="phClr"/>
+        </a:solidFill>
+        <a:solidFill>
+          <a:schemeClr val="phClr">
+            <a:tint val="95000"/>
+            <a:satMod val="170000"/>
+          </a:schemeClr>
+        </a:solidFill>
+        <a:gradFill rotWithShape="1">
+          <a:gsLst>
+            <a:gs pos="0">
+              <a:schemeClr val="phClr">
+                <a:tint val="93000"/>
+                <a:satMod val="150000"/>
+                <a:shade val="98000"/>
+                <a:lumMod val="102000"/>
+              </a:schemeClr>
+            </a:gs>
+            <a:gs pos="50000">
+              <a:schemeClr val="phClr">
+                <a:tint val="98000"/>
+                <a:satMod val="130000"/>
+                <a:shade val="90000"/>
+                <a:lumMod val="103000"/>
+              </a:schemeClr>
+            </a:gs>
+            <a:gs pos="100000">
+              <a:schemeClr val="phClr">
+                <a:shade val="63000"/>
+                <a:satMod val="120000"/>
+              </a:schemeClr>
+            </a:gs>
+          </a:gsLst>
+          <a:lin ang="5400000" scaled="0"/>
+        </a:gradFill>
+      </a:bgFillStyleLst>
+    </a:fmtScheme>
+  </a:themeElements>
+  <a:objectDefaults/>
+  <a:extraClrSchemeLst/>
+  <a:extLst>
+    <a:ext uri="{05A4C25C-085E-4340-85A3-A5531E510DB2}">
+      <thm15:themeFamily xmlns:thm15="http://schemas.microsoft.com/office/thememl/2012/main" name="Office Theme" id="{62F939B6-93AF-4DB8-9C6B-D6C7DFDC589F}" vid="{4A3C46E8-61CC-4603-A589-7422A47A8E4A}"/>
+    </a:ext>
+  </a:extLst>
+</a:theme>
 </file>
--- a/figures/fish_ocean_ranges/QIN_ranges_forfinalfigures.pptx
+++ b/figures/fish_ocean_ranges/QIN_ranges_forfinalfigures.pptx
@@ -18,8 +18,8 @@
     <p:sldId id="263" r:id="rId9"/>
     <p:sldId id="264" r:id="rId10"/>
     <p:sldId id="265" r:id="rId11"/>
-    <p:sldId id="267" r:id="rId12"/>
-    <p:sldId id="269" r:id="rId13"/>
+    <p:sldId id="269" r:id="rId12"/>
+    <p:sldId id="267" r:id="rId13"/>
   </p:sldIdLst>
   <p:sldSz cx="12192000" cy="6858000"/>
   <p:notesSz cx="6858000" cy="9144000"/>
@@ -208,7 +208,7 @@
           <a:p>
             <a:fld id="{DA3B666E-D025-4940-B46B-F7A511E2C0A9}" type="datetimeFigureOut">
               <a:rPr lang="en-US" smtClean="0"/>
-              <a:t>7/9/21</a:t>
+              <a:t>7/20/21</a:t>
             </a:fld>
             <a:endParaRPr lang="en-US"/>
           </a:p>
@@ -622,7 +622,7 @@
           <a:p>
             <a:fld id="{1913B232-DDD8-754D-AFF5-46F234AAFDFD}" type="datetimeFigureOut">
               <a:rPr lang="en-US" smtClean="0"/>
-              <a:t>7/9/21</a:t>
+              <a:t>7/20/21</a:t>
             </a:fld>
             <a:endParaRPr lang="en-US"/>
           </a:p>
@@ -820,7 +820,7 @@
           <a:p>
             <a:fld id="{1913B232-DDD8-754D-AFF5-46F234AAFDFD}" type="datetimeFigureOut">
               <a:rPr lang="en-US" smtClean="0"/>
-              <a:t>7/9/21</a:t>
+              <a:t>7/20/21</a:t>
             </a:fld>
             <a:endParaRPr lang="en-US"/>
           </a:p>
@@ -1028,7 +1028,7 @@
           <a:p>
             <a:fld id="{1913B232-DDD8-754D-AFF5-46F234AAFDFD}" type="datetimeFigureOut">
               <a:rPr lang="en-US" smtClean="0"/>
-              <a:t>7/9/21</a:t>
+              <a:t>7/20/21</a:t>
             </a:fld>
             <a:endParaRPr lang="en-US"/>
           </a:p>
@@ -1226,7 +1226,7 @@
           <a:p>
             <a:fld id="{1913B232-DDD8-754D-AFF5-46F234AAFDFD}" type="datetimeFigureOut">
               <a:rPr lang="en-US" smtClean="0"/>
-              <a:t>7/9/21</a:t>
+              <a:t>7/20/21</a:t>
             </a:fld>
             <a:endParaRPr lang="en-US"/>
           </a:p>
@@ -1501,7 +1501,7 @@
           <a:p>
             <a:fld id="{1913B232-DDD8-754D-AFF5-46F234AAFDFD}" type="datetimeFigureOut">
               <a:rPr lang="en-US" smtClean="0"/>
-              <a:t>7/9/21</a:t>
+              <a:t>7/20/21</a:t>
             </a:fld>
             <a:endParaRPr lang="en-US"/>
           </a:p>
@@ -1766,7 +1766,7 @@
           <a:p>
             <a:fld id="{1913B232-DDD8-754D-AFF5-46F234AAFDFD}" type="datetimeFigureOut">
               <a:rPr lang="en-US" smtClean="0"/>
-              <a:t>7/9/21</a:t>
+              <a:t>7/20/21</a:t>
             </a:fld>
             <a:endParaRPr lang="en-US"/>
           </a:p>
@@ -2178,7 +2178,7 @@
           <a:p>
             <a:fld id="{1913B232-DDD8-754D-AFF5-46F234AAFDFD}" type="datetimeFigureOut">
               <a:rPr lang="en-US" smtClean="0"/>
-              <a:t>7/9/21</a:t>
+              <a:t>7/20/21</a:t>
             </a:fld>
             <a:endParaRPr lang="en-US"/>
           </a:p>
@@ -2319,7 +2319,7 @@
           <a:p>
             <a:fld id="{1913B232-DDD8-754D-AFF5-46F234AAFDFD}" type="datetimeFigureOut">
               <a:rPr lang="en-US" smtClean="0"/>
-              <a:t>7/9/21</a:t>
+              <a:t>7/20/21</a:t>
             </a:fld>
             <a:endParaRPr lang="en-US"/>
           </a:p>
@@ -2432,7 +2432,7 @@
           <a:p>
             <a:fld id="{1913B232-DDD8-754D-AFF5-46F234AAFDFD}" type="datetimeFigureOut">
               <a:rPr lang="en-US" smtClean="0"/>
-              <a:t>7/9/21</a:t>
+              <a:t>7/20/21</a:t>
             </a:fld>
             <a:endParaRPr lang="en-US"/>
           </a:p>
@@ -2743,7 +2743,7 @@
           <a:p>
             <a:fld id="{1913B232-DDD8-754D-AFF5-46F234AAFDFD}" type="datetimeFigureOut">
               <a:rPr lang="en-US" smtClean="0"/>
-              <a:t>7/9/21</a:t>
+              <a:t>7/20/21</a:t>
             </a:fld>
             <a:endParaRPr lang="en-US"/>
           </a:p>
@@ -3031,7 +3031,7 @@
           <a:p>
             <a:fld id="{1913B232-DDD8-754D-AFF5-46F234AAFDFD}" type="datetimeFigureOut">
               <a:rPr lang="en-US" smtClean="0"/>
-              <a:t>7/9/21</a:t>
+              <a:t>7/20/21</a:t>
             </a:fld>
             <a:endParaRPr lang="en-US"/>
           </a:p>
@@ -3272,7 +3272,7 @@
           <a:p>
             <a:fld id="{1913B232-DDD8-754D-AFF5-46F234AAFDFD}" type="datetimeFigureOut">
               <a:rPr lang="en-US" smtClean="0"/>
-              <a:t>7/9/21</a:t>
+              <a:t>7/20/21</a:t>
             </a:fld>
             <a:endParaRPr lang="en-US"/>
           </a:p>
@@ -3689,348 +3689,265 @@
           <a:chExt cx="0" cy="0"/>
         </a:xfrm>
       </p:grpSpPr>
-      <p:sp>
-        <p:nvSpPr>
-          <p:cNvPr id="4" name="Rectangle 3">
-            <a:extLst>
-              <a:ext uri="{FF2B5EF4-FFF2-40B4-BE49-F238E27FC236}">
-                <a16:creationId xmlns:a16="http://schemas.microsoft.com/office/drawing/2014/main" id="{A8FA88E6-CBA5-8F41-9332-C5AC567B3A08}"/>
-              </a:ext>
-            </a:extLst>
-          </p:cNvPr>
-          <p:cNvSpPr/>
+      <p:grpSp>
+        <p:nvGrpSpPr>
+          <p:cNvPr id="11" name="Group 10">
+            <a:extLst>
+              <a:ext uri="{FF2B5EF4-FFF2-40B4-BE49-F238E27FC236}">
+                <a16:creationId xmlns:a16="http://schemas.microsoft.com/office/drawing/2014/main" id="{7919A36F-490D-534B-9E7E-566197EE714F}"/>
+              </a:ext>
+            </a:extLst>
+          </p:cNvPr>
+          <p:cNvGrpSpPr/>
           <p:nvPr/>
-        </p:nvSpPr>
-        <p:spPr>
+        </p:nvGrpSpPr>
+        <p:grpSpPr>
           <a:xfrm>
-            <a:off x="5036234" y="225083"/>
-            <a:ext cx="647114" cy="2236763"/>
+            <a:off x="914400" y="347003"/>
+            <a:ext cx="10058400" cy="4793565"/>
+            <a:chOff x="914400" y="347003"/>
+            <a:chExt cx="10058400" cy="4793565"/>
           </a:xfrm>
-          <a:prstGeom prst="rect">
-            <a:avLst/>
-          </a:prstGeom>
-          <a:solidFill>
-            <a:schemeClr val="bg1"/>
-          </a:solidFill>
-          <a:ln>
-            <a:noFill/>
-          </a:ln>
-        </p:spPr>
-        <p:style>
-          <a:lnRef idx="2">
-            <a:schemeClr val="accent1">
-              <a:shade val="50000"/>
-            </a:schemeClr>
-          </a:lnRef>
-          <a:fillRef idx="1">
-            <a:schemeClr val="accent1"/>
-          </a:fillRef>
-          <a:effectRef idx="0">
-            <a:schemeClr val="accent1"/>
-          </a:effectRef>
-          <a:fontRef idx="minor">
-            <a:schemeClr val="lt1"/>
-          </a:fontRef>
-        </p:style>
-        <p:txBody>
-          <a:bodyPr rtlCol="0" anchor="ctr"/>
-          <a:lstStyle/>
-          <a:p>
-            <a:pPr algn="ctr"/>
-            <a:endParaRPr lang="en-US"/>
-          </a:p>
-        </p:txBody>
-      </p:sp>
-      <p:sp>
-        <p:nvSpPr>
-          <p:cNvPr id="5" name="Rectangle 4">
-            <a:extLst>
-              <a:ext uri="{FF2B5EF4-FFF2-40B4-BE49-F238E27FC236}">
-                <a16:creationId xmlns:a16="http://schemas.microsoft.com/office/drawing/2014/main" id="{1B5F805E-451B-0E48-A92C-81DEB6B1FD5C}"/>
-              </a:ext>
-            </a:extLst>
-          </p:cNvPr>
-          <p:cNvSpPr/>
-          <p:nvPr/>
-        </p:nvSpPr>
-        <p:spPr>
-          <a:xfrm>
-            <a:off x="5036234" y="2686929"/>
-            <a:ext cx="647114" cy="2236763"/>
-          </a:xfrm>
-          <a:prstGeom prst="rect">
-            <a:avLst/>
-          </a:prstGeom>
-          <a:solidFill>
-            <a:schemeClr val="bg1"/>
-          </a:solidFill>
-          <a:ln>
-            <a:noFill/>
-          </a:ln>
-        </p:spPr>
-        <p:style>
-          <a:lnRef idx="2">
-            <a:schemeClr val="accent1">
-              <a:shade val="50000"/>
-            </a:schemeClr>
-          </a:lnRef>
-          <a:fillRef idx="1">
-            <a:schemeClr val="accent1"/>
-          </a:fillRef>
-          <a:effectRef idx="0">
-            <a:schemeClr val="accent1"/>
-          </a:effectRef>
-          <a:fontRef idx="minor">
-            <a:schemeClr val="lt1"/>
-          </a:fontRef>
-        </p:style>
-        <p:txBody>
-          <a:bodyPr rtlCol="0" anchor="ctr"/>
-          <a:lstStyle/>
-          <a:p>
-            <a:pPr algn="ctr"/>
-            <a:endParaRPr lang="en-US"/>
-          </a:p>
-        </p:txBody>
-      </p:sp>
-      <p:sp>
-        <p:nvSpPr>
-          <p:cNvPr id="6" name="Rectangle 5">
-            <a:extLst>
-              <a:ext uri="{FF2B5EF4-FFF2-40B4-BE49-F238E27FC236}">
-                <a16:creationId xmlns:a16="http://schemas.microsoft.com/office/drawing/2014/main" id="{5F3D1CA7-F6C3-0F45-AF1E-FEF70A23B7F7}"/>
-              </a:ext>
-            </a:extLst>
-          </p:cNvPr>
-          <p:cNvSpPr/>
-          <p:nvPr/>
-        </p:nvSpPr>
-        <p:spPr>
-          <a:xfrm>
-            <a:off x="10998591" y="2686928"/>
-            <a:ext cx="647114" cy="2236763"/>
-          </a:xfrm>
-          <a:prstGeom prst="rect">
-            <a:avLst/>
-          </a:prstGeom>
-          <a:solidFill>
-            <a:schemeClr val="bg1"/>
-          </a:solidFill>
-          <a:ln>
-            <a:noFill/>
-          </a:ln>
-        </p:spPr>
-        <p:style>
-          <a:lnRef idx="2">
-            <a:schemeClr val="accent1">
-              <a:shade val="50000"/>
-            </a:schemeClr>
-          </a:lnRef>
-          <a:fillRef idx="1">
-            <a:schemeClr val="accent1"/>
-          </a:fillRef>
-          <a:effectRef idx="0">
-            <a:schemeClr val="accent1"/>
-          </a:effectRef>
-          <a:fontRef idx="minor">
-            <a:schemeClr val="lt1"/>
-          </a:fontRef>
-        </p:style>
-        <p:txBody>
-          <a:bodyPr rtlCol="0" anchor="ctr"/>
-          <a:lstStyle/>
-          <a:p>
-            <a:pPr algn="ctr"/>
-            <a:endParaRPr lang="en-US"/>
-          </a:p>
-        </p:txBody>
-      </p:sp>
-      <p:pic>
-        <p:nvPicPr>
-          <p:cNvPr id="8" name="Picture 7">
-            <a:extLst>
-              <a:ext uri="{FF2B5EF4-FFF2-40B4-BE49-F238E27FC236}">
-                <a16:creationId xmlns:a16="http://schemas.microsoft.com/office/drawing/2014/main" id="{F63F7A9E-DC84-FA40-BA68-38E05817E400}"/>
-              </a:ext>
-            </a:extLst>
-          </p:cNvPr>
-          <p:cNvPicPr>
-            <a:picLocks noChangeAspect="1"/>
-          </p:cNvPicPr>
-          <p:nvPr/>
-        </p:nvPicPr>
-        <p:blipFill>
-          <a:blip r:embed="rId2"/>
-          <a:stretch>
-            <a:fillRect/>
-          </a:stretch>
-        </p:blipFill>
-        <p:spPr>
-          <a:xfrm>
-            <a:off x="0" y="0"/>
-            <a:ext cx="11887200" cy="5403273"/>
-          </a:xfrm>
-          <a:prstGeom prst="rect">
-            <a:avLst/>
-          </a:prstGeom>
-        </p:spPr>
-      </p:pic>
-      <p:sp>
-        <p:nvSpPr>
-          <p:cNvPr id="7" name="Rectangle 6">
-            <a:extLst>
-              <a:ext uri="{FF2B5EF4-FFF2-40B4-BE49-F238E27FC236}">
-                <a16:creationId xmlns:a16="http://schemas.microsoft.com/office/drawing/2014/main" id="{7BBB35AC-7FC1-DA4F-B544-57B10F06D758}"/>
-              </a:ext>
-            </a:extLst>
-          </p:cNvPr>
-          <p:cNvSpPr/>
-          <p:nvPr/>
-        </p:nvSpPr>
-        <p:spPr>
-          <a:xfrm>
-            <a:off x="5036234" y="225083"/>
-            <a:ext cx="647114" cy="2236763"/>
-          </a:xfrm>
-          <a:prstGeom prst="rect">
-            <a:avLst/>
-          </a:prstGeom>
-          <a:solidFill>
-            <a:schemeClr val="bg1"/>
-          </a:solidFill>
-          <a:ln>
-            <a:noFill/>
-          </a:ln>
-        </p:spPr>
-        <p:style>
-          <a:lnRef idx="2">
-            <a:schemeClr val="accent1">
-              <a:shade val="50000"/>
-            </a:schemeClr>
-          </a:lnRef>
-          <a:fillRef idx="1">
-            <a:schemeClr val="accent1"/>
-          </a:fillRef>
-          <a:effectRef idx="0">
-            <a:schemeClr val="accent1"/>
-          </a:effectRef>
-          <a:fontRef idx="minor">
-            <a:schemeClr val="lt1"/>
-          </a:fontRef>
-        </p:style>
-        <p:txBody>
-          <a:bodyPr rtlCol="0" anchor="ctr"/>
-          <a:lstStyle/>
-          <a:p>
-            <a:pPr algn="ctr"/>
-            <a:endParaRPr lang="en-US"/>
-          </a:p>
-        </p:txBody>
-      </p:sp>
-      <p:sp>
-        <p:nvSpPr>
-          <p:cNvPr id="9" name="Rectangle 8">
-            <a:extLst>
-              <a:ext uri="{FF2B5EF4-FFF2-40B4-BE49-F238E27FC236}">
-                <a16:creationId xmlns:a16="http://schemas.microsoft.com/office/drawing/2014/main" id="{0D9D0039-8D9F-6D44-BD70-3F89B6E29811}"/>
-              </a:ext>
-            </a:extLst>
-          </p:cNvPr>
-          <p:cNvSpPr/>
-          <p:nvPr/>
-        </p:nvSpPr>
-        <p:spPr>
-          <a:xfrm>
-            <a:off x="5036234" y="2686929"/>
-            <a:ext cx="647114" cy="2236763"/>
-          </a:xfrm>
-          <a:prstGeom prst="rect">
-            <a:avLst/>
-          </a:prstGeom>
-          <a:solidFill>
-            <a:schemeClr val="bg1"/>
-          </a:solidFill>
-          <a:ln>
-            <a:noFill/>
-          </a:ln>
-        </p:spPr>
-        <p:style>
-          <a:lnRef idx="2">
-            <a:schemeClr val="accent1">
-              <a:shade val="50000"/>
-            </a:schemeClr>
-          </a:lnRef>
-          <a:fillRef idx="1">
-            <a:schemeClr val="accent1"/>
-          </a:fillRef>
-          <a:effectRef idx="0">
-            <a:schemeClr val="accent1"/>
-          </a:effectRef>
-          <a:fontRef idx="minor">
-            <a:schemeClr val="lt1"/>
-          </a:fontRef>
-        </p:style>
-        <p:txBody>
-          <a:bodyPr rtlCol="0" anchor="ctr"/>
-          <a:lstStyle/>
-          <a:p>
-            <a:pPr algn="ctr"/>
-            <a:endParaRPr lang="en-US"/>
-          </a:p>
-        </p:txBody>
-      </p:sp>
-      <p:sp>
-        <p:nvSpPr>
-          <p:cNvPr id="10" name="Rectangle 9">
-            <a:extLst>
-              <a:ext uri="{FF2B5EF4-FFF2-40B4-BE49-F238E27FC236}">
-                <a16:creationId xmlns:a16="http://schemas.microsoft.com/office/drawing/2014/main" id="{40F2B418-3F47-2643-98A5-27E401D236AE}"/>
-              </a:ext>
-            </a:extLst>
-          </p:cNvPr>
-          <p:cNvSpPr/>
-          <p:nvPr/>
-        </p:nvSpPr>
-        <p:spPr>
-          <a:xfrm>
-            <a:off x="10998591" y="2686928"/>
-            <a:ext cx="647114" cy="2236763"/>
-          </a:xfrm>
-          <a:prstGeom prst="rect">
-            <a:avLst/>
-          </a:prstGeom>
-          <a:solidFill>
-            <a:schemeClr val="bg1"/>
-          </a:solidFill>
-          <a:ln>
-            <a:noFill/>
-          </a:ln>
-        </p:spPr>
-        <p:style>
-          <a:lnRef idx="2">
-            <a:schemeClr val="accent1">
-              <a:shade val="50000"/>
-            </a:schemeClr>
-          </a:lnRef>
-          <a:fillRef idx="1">
-            <a:schemeClr val="accent1"/>
-          </a:fillRef>
-          <a:effectRef idx="0">
-            <a:schemeClr val="accent1"/>
-          </a:effectRef>
-          <a:fontRef idx="minor">
-            <a:schemeClr val="lt1"/>
-          </a:fontRef>
-        </p:style>
-        <p:txBody>
-          <a:bodyPr rtlCol="0" anchor="ctr"/>
-          <a:lstStyle/>
-          <a:p>
-            <a:pPr algn="ctr"/>
-            <a:endParaRPr lang="en-US"/>
-          </a:p>
-        </p:txBody>
-      </p:sp>
+        </p:grpSpPr>
+        <p:pic>
+          <p:nvPicPr>
+            <p:cNvPr id="3" name="Picture 2">
+              <a:extLst>
+                <a:ext uri="{FF2B5EF4-FFF2-40B4-BE49-F238E27FC236}">
+                  <a16:creationId xmlns:a16="http://schemas.microsoft.com/office/drawing/2014/main" id="{38651329-A6EA-D148-B1DE-0FEE4DAD19DA}"/>
+                </a:ext>
+              </a:extLst>
+            </p:cNvPr>
+            <p:cNvPicPr>
+              <a:picLocks noChangeAspect="1"/>
+            </p:cNvPicPr>
+            <p:nvPr/>
+          </p:nvPicPr>
+          <p:blipFill>
+            <a:blip r:embed="rId2"/>
+            <a:stretch>
+              <a:fillRect/>
+            </a:stretch>
+          </p:blipFill>
+          <p:spPr>
+            <a:xfrm>
+              <a:off x="914400" y="568568"/>
+              <a:ext cx="10058400" cy="4572000"/>
+            </a:xfrm>
+            <a:prstGeom prst="rect">
+              <a:avLst/>
+            </a:prstGeom>
+          </p:spPr>
+        </p:pic>
+        <p:sp>
+          <p:nvSpPr>
+            <p:cNvPr id="4" name="Rectangle 3">
+              <a:extLst>
+                <a:ext uri="{FF2B5EF4-FFF2-40B4-BE49-F238E27FC236}">
+                  <a16:creationId xmlns:a16="http://schemas.microsoft.com/office/drawing/2014/main" id="{A8FA88E6-CBA5-8F41-9332-C5AC567B3A08}"/>
+                </a:ext>
+              </a:extLst>
+            </p:cNvPr>
+            <p:cNvSpPr/>
+            <p:nvPr/>
+          </p:nvSpPr>
+          <p:spPr>
+            <a:xfrm>
+              <a:off x="5112434" y="347003"/>
+              <a:ext cx="647114" cy="2236763"/>
+            </a:xfrm>
+            <a:prstGeom prst="rect">
+              <a:avLst/>
+            </a:prstGeom>
+            <a:solidFill>
+              <a:schemeClr val="bg1"/>
+            </a:solidFill>
+            <a:ln>
+              <a:noFill/>
+            </a:ln>
+          </p:spPr>
+          <p:style>
+            <a:lnRef idx="2">
+              <a:schemeClr val="accent1">
+                <a:shade val="50000"/>
+              </a:schemeClr>
+            </a:lnRef>
+            <a:fillRef idx="1">
+              <a:schemeClr val="accent1"/>
+            </a:fillRef>
+            <a:effectRef idx="0">
+              <a:schemeClr val="accent1"/>
+            </a:effectRef>
+            <a:fontRef idx="minor">
+              <a:schemeClr val="lt1"/>
+            </a:fontRef>
+          </p:style>
+          <p:txBody>
+            <a:bodyPr rtlCol="0" anchor="ctr"/>
+            <a:lstStyle/>
+            <a:p>
+              <a:pPr algn="ctr"/>
+              <a:endParaRPr lang="en-US"/>
+            </a:p>
+          </p:txBody>
+        </p:sp>
+        <p:sp>
+          <p:nvSpPr>
+            <p:cNvPr id="7" name="Rectangle 6">
+              <a:extLst>
+                <a:ext uri="{FF2B5EF4-FFF2-40B4-BE49-F238E27FC236}">
+                  <a16:creationId xmlns:a16="http://schemas.microsoft.com/office/drawing/2014/main" id="{7BBB35AC-7FC1-DA4F-B544-57B10F06D758}"/>
+                </a:ext>
+              </a:extLst>
+            </p:cNvPr>
+            <p:cNvSpPr/>
+            <p:nvPr/>
+          </p:nvSpPr>
+          <p:spPr>
+            <a:xfrm>
+              <a:off x="5112434" y="868680"/>
+              <a:ext cx="647114" cy="1715086"/>
+            </a:xfrm>
+            <a:prstGeom prst="rect">
+              <a:avLst/>
+            </a:prstGeom>
+            <a:solidFill>
+              <a:schemeClr val="bg1"/>
+            </a:solidFill>
+            <a:ln>
+              <a:noFill/>
+            </a:ln>
+          </p:spPr>
+          <p:style>
+            <a:lnRef idx="2">
+              <a:schemeClr val="accent1">
+                <a:shade val="50000"/>
+              </a:schemeClr>
+            </a:lnRef>
+            <a:fillRef idx="1">
+              <a:schemeClr val="accent1"/>
+            </a:fillRef>
+            <a:effectRef idx="0">
+              <a:schemeClr val="accent1"/>
+            </a:effectRef>
+            <a:fontRef idx="minor">
+              <a:schemeClr val="lt1"/>
+            </a:fontRef>
+          </p:style>
+          <p:txBody>
+            <a:bodyPr rtlCol="0" anchor="ctr"/>
+            <a:lstStyle/>
+            <a:p>
+              <a:pPr algn="ctr"/>
+              <a:endParaRPr lang="en-US"/>
+            </a:p>
+          </p:txBody>
+        </p:sp>
+        <p:sp>
+          <p:nvSpPr>
+            <p:cNvPr id="9" name="Rectangle 8">
+              <a:extLst>
+                <a:ext uri="{FF2B5EF4-FFF2-40B4-BE49-F238E27FC236}">
+                  <a16:creationId xmlns:a16="http://schemas.microsoft.com/office/drawing/2014/main" id="{0D9D0039-8D9F-6D44-BD70-3F89B6E29811}"/>
+                </a:ext>
+              </a:extLst>
+            </p:cNvPr>
+            <p:cNvSpPr/>
+            <p:nvPr/>
+          </p:nvSpPr>
+          <p:spPr>
+            <a:xfrm>
+              <a:off x="5214425" y="2808848"/>
+              <a:ext cx="647114" cy="2236763"/>
+            </a:xfrm>
+            <a:prstGeom prst="rect">
+              <a:avLst/>
+            </a:prstGeom>
+            <a:solidFill>
+              <a:schemeClr val="bg1"/>
+            </a:solidFill>
+            <a:ln>
+              <a:noFill/>
+            </a:ln>
+          </p:spPr>
+          <p:style>
+            <a:lnRef idx="2">
+              <a:schemeClr val="accent1">
+                <a:shade val="50000"/>
+              </a:schemeClr>
+            </a:lnRef>
+            <a:fillRef idx="1">
+              <a:schemeClr val="accent1"/>
+            </a:fillRef>
+            <a:effectRef idx="0">
+              <a:schemeClr val="accent1"/>
+            </a:effectRef>
+            <a:fontRef idx="minor">
+              <a:schemeClr val="lt1"/>
+            </a:fontRef>
+          </p:style>
+          <p:txBody>
+            <a:bodyPr rtlCol="0" anchor="ctr"/>
+            <a:lstStyle/>
+            <a:p>
+              <a:pPr algn="ctr"/>
+              <a:endParaRPr lang="en-US"/>
+            </a:p>
+          </p:txBody>
+        </p:sp>
+        <p:sp>
+          <p:nvSpPr>
+            <p:cNvPr id="10" name="Rectangle 9">
+              <a:extLst>
+                <a:ext uri="{FF2B5EF4-FFF2-40B4-BE49-F238E27FC236}">
+                  <a16:creationId xmlns:a16="http://schemas.microsoft.com/office/drawing/2014/main" id="{40F2B418-3F47-2643-98A5-27E401D236AE}"/>
+                </a:ext>
+              </a:extLst>
+            </p:cNvPr>
+            <p:cNvSpPr/>
+            <p:nvPr/>
+          </p:nvSpPr>
+          <p:spPr>
+            <a:xfrm>
+              <a:off x="10207284" y="2670515"/>
+              <a:ext cx="647114" cy="2236763"/>
+            </a:xfrm>
+            <a:prstGeom prst="rect">
+              <a:avLst/>
+            </a:prstGeom>
+            <a:solidFill>
+              <a:schemeClr val="bg1"/>
+            </a:solidFill>
+            <a:ln>
+              <a:noFill/>
+            </a:ln>
+          </p:spPr>
+          <p:style>
+            <a:lnRef idx="2">
+              <a:schemeClr val="accent1">
+                <a:shade val="50000"/>
+              </a:schemeClr>
+            </a:lnRef>
+            <a:fillRef idx="1">
+              <a:schemeClr val="accent1"/>
+            </a:fillRef>
+            <a:effectRef idx="0">
+              <a:schemeClr val="accent1"/>
+            </a:effectRef>
+            <a:fontRef idx="minor">
+              <a:schemeClr val="lt1"/>
+            </a:fontRef>
+          </p:style>
+          <p:txBody>
+            <a:bodyPr rtlCol="0" anchor="ctr"/>
+            <a:lstStyle/>
+            <a:p>
+              <a:pPr algn="ctr"/>
+              <a:endParaRPr lang="en-US"/>
+            </a:p>
+          </p:txBody>
+        </p:sp>
+      </p:grpSp>
     </p:spTree>
     <p:extLst>
       <p:ext uri="{BB962C8B-B14F-4D97-AF65-F5344CB8AC3E}">
@@ -4063,10 +3980,10 @@
       </p:grpSpPr>
       <p:pic>
         <p:nvPicPr>
-          <p:cNvPr id="3" name="Picture 2">
-            <a:extLst>
-              <a:ext uri="{FF2B5EF4-FFF2-40B4-BE49-F238E27FC236}">
-                <a16:creationId xmlns:a16="http://schemas.microsoft.com/office/drawing/2014/main" id="{273EF5DB-5246-6F44-93A7-E1F1C887EDD2}"/>
+          <p:cNvPr id="4" name="Picture 3">
+            <a:extLst>
+              <a:ext uri="{FF2B5EF4-FFF2-40B4-BE49-F238E27FC236}">
+                <a16:creationId xmlns:a16="http://schemas.microsoft.com/office/drawing/2014/main" id="{BFCE10EC-7D1C-694C-B263-35B4379122B6}"/>
               </a:ext>
             </a:extLst>
           </p:cNvPr>
@@ -4083,8 +4000,8 @@
         </p:blipFill>
         <p:spPr>
           <a:xfrm>
-            <a:off x="0" y="0"/>
-            <a:ext cx="11887200" cy="5403273"/>
+            <a:off x="1066800" y="1143000"/>
+            <a:ext cx="10058400" cy="4572000"/>
           </a:xfrm>
           <a:prstGeom prst="rect">
             <a:avLst/>
@@ -4123,10 +4040,10 @@
       </p:grpSpPr>
       <p:pic>
         <p:nvPicPr>
-          <p:cNvPr id="7" name="Picture 6">
-            <a:extLst>
-              <a:ext uri="{FF2B5EF4-FFF2-40B4-BE49-F238E27FC236}">
-                <a16:creationId xmlns:a16="http://schemas.microsoft.com/office/drawing/2014/main" id="{A989F1B5-763C-AB41-A224-193035B82A53}"/>
+          <p:cNvPr id="4" name="Picture 3">
+            <a:extLst>
+              <a:ext uri="{FF2B5EF4-FFF2-40B4-BE49-F238E27FC236}">
+                <a16:creationId xmlns:a16="http://schemas.microsoft.com/office/drawing/2014/main" id="{3F31192A-4886-CC48-9B92-82A0504DC3B3}"/>
               </a:ext>
             </a:extLst>
           </p:cNvPr>
@@ -4143,8 +4060,8 @@
         </p:blipFill>
         <p:spPr>
           <a:xfrm>
-            <a:off x="0" y="0"/>
-            <a:ext cx="11887200" cy="5403273"/>
+            <a:off x="1066800" y="1143000"/>
+            <a:ext cx="10058400" cy="4572000"/>
           </a:xfrm>
           <a:prstGeom prst="rect">
             <a:avLst/>
@@ -4154,7 +4071,7 @@
     </p:spTree>
     <p:extLst>
       <p:ext uri="{BB962C8B-B14F-4D97-AF65-F5344CB8AC3E}">
-        <p14:creationId xmlns:p14="http://schemas.microsoft.com/office/powerpoint/2010/main" val="130450704"/>
+        <p14:creationId xmlns:p14="http://schemas.microsoft.com/office/powerpoint/2010/main" val="678074634"/>
       </p:ext>
     </p:extLst>
   </p:cSld>
@@ -4186,7 +4103,7 @@
           <p:cNvPr id="3" name="Picture 2">
             <a:extLst>
               <a:ext uri="{FF2B5EF4-FFF2-40B4-BE49-F238E27FC236}">
-                <a16:creationId xmlns:a16="http://schemas.microsoft.com/office/drawing/2014/main" id="{29D1E30C-AFD0-1C47-B5A2-961FA38DB9BA}"/>
+                <a16:creationId xmlns:a16="http://schemas.microsoft.com/office/drawing/2014/main" id="{D4DF517E-9074-E048-84E0-1C6D7A6AC5AE}"/>
               </a:ext>
             </a:extLst>
           </p:cNvPr>
@@ -4203,8 +4120,8 @@
         </p:blipFill>
         <p:spPr>
           <a:xfrm>
-            <a:off x="0" y="0"/>
-            <a:ext cx="11887200" cy="5403273"/>
+            <a:off x="1066800" y="1143000"/>
+            <a:ext cx="10058400" cy="4572000"/>
           </a:xfrm>
           <a:prstGeom prst="rect">
             <a:avLst/>
@@ -4214,7 +4131,7 @@
     </p:spTree>
     <p:extLst>
       <p:ext uri="{BB962C8B-B14F-4D97-AF65-F5344CB8AC3E}">
-        <p14:creationId xmlns:p14="http://schemas.microsoft.com/office/powerpoint/2010/main" val="678074634"/>
+        <p14:creationId xmlns:p14="http://schemas.microsoft.com/office/powerpoint/2010/main" val="130450704"/>
       </p:ext>
     </p:extLst>
   </p:cSld>
@@ -4241,192 +4158,265 @@
           <a:chExt cx="0" cy="0"/>
         </a:xfrm>
       </p:grpSpPr>
-      <p:pic>
-        <p:nvPicPr>
-          <p:cNvPr id="3" name="Picture 2">
-            <a:extLst>
-              <a:ext uri="{FF2B5EF4-FFF2-40B4-BE49-F238E27FC236}">
-                <a16:creationId xmlns:a16="http://schemas.microsoft.com/office/drawing/2014/main" id="{D2A3CCFA-7E1F-104B-BFB4-5712A6376DB0}"/>
-              </a:ext>
-            </a:extLst>
-          </p:cNvPr>
-          <p:cNvPicPr>
-            <a:picLocks noChangeAspect="1"/>
-          </p:cNvPicPr>
+      <p:grpSp>
+        <p:nvGrpSpPr>
+          <p:cNvPr id="11" name="Group 10">
+            <a:extLst>
+              <a:ext uri="{FF2B5EF4-FFF2-40B4-BE49-F238E27FC236}">
+                <a16:creationId xmlns:a16="http://schemas.microsoft.com/office/drawing/2014/main" id="{80A2F81D-2908-5149-82B9-3F55F826E0BA}"/>
+              </a:ext>
+            </a:extLst>
+          </p:cNvPr>
+          <p:cNvGrpSpPr/>
           <p:nvPr/>
-        </p:nvPicPr>
-        <p:blipFill>
-          <a:blip r:embed="rId2"/>
-          <a:stretch>
-            <a:fillRect/>
-          </a:stretch>
-        </p:blipFill>
-        <p:spPr>
+        </p:nvGrpSpPr>
+        <p:grpSpPr>
           <a:xfrm>
-            <a:off x="0" y="0"/>
-            <a:ext cx="11887200" cy="5403273"/>
+            <a:off x="1066800" y="1143000"/>
+            <a:ext cx="10058400" cy="4572000"/>
+            <a:chOff x="1066800" y="1143000"/>
+            <a:chExt cx="10058400" cy="4572000"/>
           </a:xfrm>
-          <a:prstGeom prst="rect">
-            <a:avLst/>
-          </a:prstGeom>
-        </p:spPr>
-      </p:pic>
-      <p:sp>
-        <p:nvSpPr>
-          <p:cNvPr id="4" name="Rectangle 3">
-            <a:extLst>
-              <a:ext uri="{FF2B5EF4-FFF2-40B4-BE49-F238E27FC236}">
-                <a16:creationId xmlns:a16="http://schemas.microsoft.com/office/drawing/2014/main" id="{33B08E0A-BB53-1540-B511-98A8663D087C}"/>
-              </a:ext>
-            </a:extLst>
-          </p:cNvPr>
-          <p:cNvSpPr/>
-          <p:nvPr/>
-        </p:nvSpPr>
-        <p:spPr>
-          <a:xfrm>
-            <a:off x="5036234" y="225083"/>
-            <a:ext cx="647114" cy="2236763"/>
-          </a:xfrm>
-          <a:prstGeom prst="rect">
-            <a:avLst/>
-          </a:prstGeom>
-          <a:solidFill>
-            <a:schemeClr val="bg1"/>
-          </a:solidFill>
-          <a:ln>
-            <a:noFill/>
-          </a:ln>
-        </p:spPr>
-        <p:style>
-          <a:lnRef idx="2">
-            <a:schemeClr val="accent1">
-              <a:shade val="50000"/>
-            </a:schemeClr>
-          </a:lnRef>
-          <a:fillRef idx="1">
-            <a:schemeClr val="accent1"/>
-          </a:fillRef>
-          <a:effectRef idx="0">
-            <a:schemeClr val="accent1"/>
-          </a:effectRef>
-          <a:fontRef idx="minor">
-            <a:schemeClr val="lt1"/>
-          </a:fontRef>
-        </p:style>
-        <p:txBody>
-          <a:bodyPr rtlCol="0" anchor="ctr"/>
-          <a:lstStyle/>
-          <a:p>
-            <a:pPr algn="ctr"/>
-            <a:endParaRPr lang="en-US"/>
-          </a:p>
-        </p:txBody>
-      </p:sp>
-      <p:sp>
-        <p:nvSpPr>
-          <p:cNvPr id="5" name="Rectangle 4">
-            <a:extLst>
-              <a:ext uri="{FF2B5EF4-FFF2-40B4-BE49-F238E27FC236}">
-                <a16:creationId xmlns:a16="http://schemas.microsoft.com/office/drawing/2014/main" id="{FD0431D0-0045-7740-B013-14B67A28AFBA}"/>
-              </a:ext>
-            </a:extLst>
-          </p:cNvPr>
-          <p:cNvSpPr/>
-          <p:nvPr/>
-        </p:nvSpPr>
-        <p:spPr>
-          <a:xfrm>
-            <a:off x="5036234" y="2686929"/>
-            <a:ext cx="647114" cy="2236763"/>
-          </a:xfrm>
-          <a:prstGeom prst="rect">
-            <a:avLst/>
-          </a:prstGeom>
-          <a:solidFill>
-            <a:schemeClr val="bg1"/>
-          </a:solidFill>
-          <a:ln>
-            <a:noFill/>
-          </a:ln>
-        </p:spPr>
-        <p:style>
-          <a:lnRef idx="2">
-            <a:schemeClr val="accent1">
-              <a:shade val="50000"/>
-            </a:schemeClr>
-          </a:lnRef>
-          <a:fillRef idx="1">
-            <a:schemeClr val="accent1"/>
-          </a:fillRef>
-          <a:effectRef idx="0">
-            <a:schemeClr val="accent1"/>
-          </a:effectRef>
-          <a:fontRef idx="minor">
-            <a:schemeClr val="lt1"/>
-          </a:fontRef>
-        </p:style>
-        <p:txBody>
-          <a:bodyPr rtlCol="0" anchor="ctr"/>
-          <a:lstStyle/>
-          <a:p>
-            <a:pPr algn="ctr"/>
-            <a:endParaRPr lang="en-US"/>
-          </a:p>
-        </p:txBody>
-      </p:sp>
-      <p:sp>
-        <p:nvSpPr>
-          <p:cNvPr id="6" name="Rectangle 5">
-            <a:extLst>
-              <a:ext uri="{FF2B5EF4-FFF2-40B4-BE49-F238E27FC236}">
-                <a16:creationId xmlns:a16="http://schemas.microsoft.com/office/drawing/2014/main" id="{2BF3471B-BA08-974D-A42B-00780384E9A8}"/>
-              </a:ext>
-            </a:extLst>
-          </p:cNvPr>
-          <p:cNvSpPr/>
-          <p:nvPr/>
-        </p:nvSpPr>
-        <p:spPr>
-          <a:xfrm>
-            <a:off x="10998591" y="2686928"/>
-            <a:ext cx="647114" cy="2236763"/>
-          </a:xfrm>
-          <a:prstGeom prst="rect">
-            <a:avLst/>
-          </a:prstGeom>
-          <a:solidFill>
-            <a:schemeClr val="bg1"/>
-          </a:solidFill>
-          <a:ln>
-            <a:noFill/>
-          </a:ln>
-        </p:spPr>
-        <p:style>
-          <a:lnRef idx="2">
-            <a:schemeClr val="accent1">
-              <a:shade val="50000"/>
-            </a:schemeClr>
-          </a:lnRef>
-          <a:fillRef idx="1">
-            <a:schemeClr val="accent1"/>
-          </a:fillRef>
-          <a:effectRef idx="0">
-            <a:schemeClr val="accent1"/>
-          </a:effectRef>
-          <a:fontRef idx="minor">
-            <a:schemeClr val="lt1"/>
-          </a:fontRef>
-        </p:style>
-        <p:txBody>
-          <a:bodyPr rtlCol="0" anchor="ctr"/>
-          <a:lstStyle/>
-          <a:p>
-            <a:pPr algn="ctr"/>
-            <a:endParaRPr lang="en-US"/>
-          </a:p>
-        </p:txBody>
-      </p:sp>
+        </p:grpSpPr>
+        <p:sp>
+          <p:nvSpPr>
+            <p:cNvPr id="5" name="Rectangle 4">
+              <a:extLst>
+                <a:ext uri="{FF2B5EF4-FFF2-40B4-BE49-F238E27FC236}">
+                  <a16:creationId xmlns:a16="http://schemas.microsoft.com/office/drawing/2014/main" id="{FD0431D0-0045-7740-B013-14B67A28AFBA}"/>
+                </a:ext>
+              </a:extLst>
+            </p:cNvPr>
+            <p:cNvSpPr/>
+            <p:nvPr/>
+          </p:nvSpPr>
+          <p:spPr>
+            <a:xfrm>
+              <a:off x="5036234" y="2686929"/>
+              <a:ext cx="647114" cy="2236763"/>
+            </a:xfrm>
+            <a:prstGeom prst="rect">
+              <a:avLst/>
+            </a:prstGeom>
+            <a:solidFill>
+              <a:schemeClr val="bg1"/>
+            </a:solidFill>
+            <a:ln>
+              <a:noFill/>
+            </a:ln>
+          </p:spPr>
+          <p:style>
+            <a:lnRef idx="2">
+              <a:schemeClr val="accent1">
+                <a:shade val="50000"/>
+              </a:schemeClr>
+            </a:lnRef>
+            <a:fillRef idx="1">
+              <a:schemeClr val="accent1"/>
+            </a:fillRef>
+            <a:effectRef idx="0">
+              <a:schemeClr val="accent1"/>
+            </a:effectRef>
+            <a:fontRef idx="minor">
+              <a:schemeClr val="lt1"/>
+            </a:fontRef>
+          </p:style>
+          <p:txBody>
+            <a:bodyPr rtlCol="0" anchor="ctr"/>
+            <a:lstStyle/>
+            <a:p>
+              <a:pPr algn="ctr"/>
+              <a:endParaRPr lang="en-US"/>
+            </a:p>
+          </p:txBody>
+        </p:sp>
+        <p:pic>
+          <p:nvPicPr>
+            <p:cNvPr id="7" name="Picture 6">
+              <a:extLst>
+                <a:ext uri="{FF2B5EF4-FFF2-40B4-BE49-F238E27FC236}">
+                  <a16:creationId xmlns:a16="http://schemas.microsoft.com/office/drawing/2014/main" id="{6E2A9104-8294-0946-9918-59A7F508E953}"/>
+                </a:ext>
+              </a:extLst>
+            </p:cNvPr>
+            <p:cNvPicPr>
+              <a:picLocks noChangeAspect="1"/>
+            </p:cNvPicPr>
+            <p:nvPr/>
+          </p:nvPicPr>
+          <p:blipFill>
+            <a:blip r:embed="rId2"/>
+            <a:stretch>
+              <a:fillRect/>
+            </a:stretch>
+          </p:blipFill>
+          <p:spPr>
+            <a:xfrm>
+              <a:off x="1066800" y="1143000"/>
+              <a:ext cx="10058400" cy="4572000"/>
+            </a:xfrm>
+            <a:prstGeom prst="rect">
+              <a:avLst/>
+            </a:prstGeom>
+          </p:spPr>
+        </p:pic>
+        <p:sp>
+          <p:nvSpPr>
+            <p:cNvPr id="8" name="Rectangle 7">
+              <a:extLst>
+                <a:ext uri="{FF2B5EF4-FFF2-40B4-BE49-F238E27FC236}">
+                  <a16:creationId xmlns:a16="http://schemas.microsoft.com/office/drawing/2014/main" id="{E39C06E6-A970-2841-9929-A642D77B6EE3}"/>
+                </a:ext>
+              </a:extLst>
+            </p:cNvPr>
+            <p:cNvSpPr/>
+            <p:nvPr/>
+          </p:nvSpPr>
+          <p:spPr>
+            <a:xfrm>
+              <a:off x="5385582" y="3277773"/>
+              <a:ext cx="647114" cy="2010507"/>
+            </a:xfrm>
+            <a:prstGeom prst="rect">
+              <a:avLst/>
+            </a:prstGeom>
+            <a:solidFill>
+              <a:schemeClr val="bg1"/>
+            </a:solidFill>
+            <a:ln>
+              <a:noFill/>
+            </a:ln>
+          </p:spPr>
+          <p:style>
+            <a:lnRef idx="2">
+              <a:schemeClr val="accent1">
+                <a:shade val="50000"/>
+              </a:schemeClr>
+            </a:lnRef>
+            <a:fillRef idx="1">
+              <a:schemeClr val="accent1"/>
+            </a:fillRef>
+            <a:effectRef idx="0">
+              <a:schemeClr val="accent1"/>
+            </a:effectRef>
+            <a:fontRef idx="minor">
+              <a:schemeClr val="lt1"/>
+            </a:fontRef>
+          </p:style>
+          <p:txBody>
+            <a:bodyPr rtlCol="0" anchor="ctr"/>
+            <a:lstStyle/>
+            <a:p>
+              <a:pPr algn="ctr"/>
+              <a:endParaRPr lang="en-US"/>
+            </a:p>
+          </p:txBody>
+        </p:sp>
+        <p:sp>
+          <p:nvSpPr>
+            <p:cNvPr id="9" name="Rectangle 8">
+              <a:extLst>
+                <a:ext uri="{FF2B5EF4-FFF2-40B4-BE49-F238E27FC236}">
+                  <a16:creationId xmlns:a16="http://schemas.microsoft.com/office/drawing/2014/main" id="{DF467304-C7BB-9D41-A21A-1A5B44AA789B}"/>
+                </a:ext>
+              </a:extLst>
+            </p:cNvPr>
+            <p:cNvSpPr/>
+            <p:nvPr/>
+          </p:nvSpPr>
+          <p:spPr>
+            <a:xfrm>
+              <a:off x="10414782" y="3351628"/>
+              <a:ext cx="647114" cy="2010507"/>
+            </a:xfrm>
+            <a:prstGeom prst="rect">
+              <a:avLst/>
+            </a:prstGeom>
+            <a:solidFill>
+              <a:schemeClr val="bg1"/>
+            </a:solidFill>
+            <a:ln>
+              <a:noFill/>
+            </a:ln>
+          </p:spPr>
+          <p:style>
+            <a:lnRef idx="2">
+              <a:schemeClr val="accent1">
+                <a:shade val="50000"/>
+              </a:schemeClr>
+            </a:lnRef>
+            <a:fillRef idx="1">
+              <a:schemeClr val="accent1"/>
+            </a:fillRef>
+            <a:effectRef idx="0">
+              <a:schemeClr val="accent1"/>
+            </a:effectRef>
+            <a:fontRef idx="minor">
+              <a:schemeClr val="lt1"/>
+            </a:fontRef>
+          </p:style>
+          <p:txBody>
+            <a:bodyPr rtlCol="0" anchor="ctr"/>
+            <a:lstStyle/>
+            <a:p>
+              <a:pPr algn="ctr"/>
+              <a:endParaRPr lang="en-US"/>
+            </a:p>
+          </p:txBody>
+        </p:sp>
+        <p:sp>
+          <p:nvSpPr>
+            <p:cNvPr id="10" name="Rectangle 9">
+              <a:extLst>
+                <a:ext uri="{FF2B5EF4-FFF2-40B4-BE49-F238E27FC236}">
+                  <a16:creationId xmlns:a16="http://schemas.microsoft.com/office/drawing/2014/main" id="{381CA142-EA4D-C64A-956A-3F3DBFC9DFCD}"/>
+                </a:ext>
+              </a:extLst>
+            </p:cNvPr>
+            <p:cNvSpPr/>
+            <p:nvPr/>
+          </p:nvSpPr>
+          <p:spPr>
+            <a:xfrm>
+              <a:off x="5359791" y="1317087"/>
+              <a:ext cx="492369" cy="2010507"/>
+            </a:xfrm>
+            <a:prstGeom prst="rect">
+              <a:avLst/>
+            </a:prstGeom>
+            <a:solidFill>
+              <a:schemeClr val="bg1"/>
+            </a:solidFill>
+            <a:ln>
+              <a:noFill/>
+            </a:ln>
+          </p:spPr>
+          <p:style>
+            <a:lnRef idx="2">
+              <a:schemeClr val="accent1">
+                <a:shade val="50000"/>
+              </a:schemeClr>
+            </a:lnRef>
+            <a:fillRef idx="1">
+              <a:schemeClr val="accent1"/>
+            </a:fillRef>
+            <a:effectRef idx="0">
+              <a:schemeClr val="accent1"/>
+            </a:effectRef>
+            <a:fontRef idx="minor">
+              <a:schemeClr val="lt1"/>
+            </a:fontRef>
+          </p:style>
+          <p:txBody>
+            <a:bodyPr rtlCol="0" anchor="ctr"/>
+            <a:lstStyle/>
+            <a:p>
+              <a:pPr algn="ctr"/>
+              <a:endParaRPr lang="en-US"/>
+            </a:p>
+          </p:txBody>
+        </p:sp>
+      </p:grpSp>
     </p:spTree>
     <p:extLst>
       <p:ext uri="{BB962C8B-B14F-4D97-AF65-F5344CB8AC3E}">
@@ -4457,192 +4447,213 @@
           <a:chExt cx="0" cy="0"/>
         </a:xfrm>
       </p:grpSpPr>
-      <p:pic>
-        <p:nvPicPr>
-          <p:cNvPr id="3" name="Picture 2">
-            <a:extLst>
-              <a:ext uri="{FF2B5EF4-FFF2-40B4-BE49-F238E27FC236}">
-                <a16:creationId xmlns:a16="http://schemas.microsoft.com/office/drawing/2014/main" id="{5FB0E007-1B12-824F-9B6B-2F67DD8B3794}"/>
-              </a:ext>
-            </a:extLst>
-          </p:cNvPr>
-          <p:cNvPicPr>
-            <a:picLocks noChangeAspect="1"/>
-          </p:cNvPicPr>
+      <p:grpSp>
+        <p:nvGrpSpPr>
+          <p:cNvPr id="8" name="Group 7">
+            <a:extLst>
+              <a:ext uri="{FF2B5EF4-FFF2-40B4-BE49-F238E27FC236}">
+                <a16:creationId xmlns:a16="http://schemas.microsoft.com/office/drawing/2014/main" id="{6309CF7F-9444-AB47-989F-6008EE8E2C7E}"/>
+              </a:ext>
+            </a:extLst>
+          </p:cNvPr>
+          <p:cNvGrpSpPr/>
           <p:nvPr/>
-        </p:nvPicPr>
-        <p:blipFill>
-          <a:blip r:embed="rId2"/>
-          <a:stretch>
-            <a:fillRect/>
-          </a:stretch>
-        </p:blipFill>
-        <p:spPr>
+        </p:nvGrpSpPr>
+        <p:grpSpPr>
           <a:xfrm>
-            <a:off x="0" y="0"/>
-            <a:ext cx="11887200" cy="5403273"/>
+            <a:off x="1066800" y="1143000"/>
+            <a:ext cx="10058400" cy="4572000"/>
+            <a:chOff x="1066800" y="1143000"/>
+            <a:chExt cx="10058400" cy="4572000"/>
           </a:xfrm>
-          <a:prstGeom prst="rect">
-            <a:avLst/>
-          </a:prstGeom>
-        </p:spPr>
-      </p:pic>
-      <p:sp>
-        <p:nvSpPr>
-          <p:cNvPr id="4" name="Rectangle 3">
-            <a:extLst>
-              <a:ext uri="{FF2B5EF4-FFF2-40B4-BE49-F238E27FC236}">
-                <a16:creationId xmlns:a16="http://schemas.microsoft.com/office/drawing/2014/main" id="{655B54C5-A53E-9C46-BB15-16051379DAA7}"/>
-              </a:ext>
-            </a:extLst>
-          </p:cNvPr>
-          <p:cNvSpPr/>
-          <p:nvPr/>
-        </p:nvSpPr>
-        <p:spPr>
-          <a:xfrm>
-            <a:off x="5036234" y="225083"/>
-            <a:ext cx="647114" cy="2236763"/>
-          </a:xfrm>
-          <a:prstGeom prst="rect">
-            <a:avLst/>
-          </a:prstGeom>
-          <a:solidFill>
-            <a:schemeClr val="bg1"/>
-          </a:solidFill>
-          <a:ln>
-            <a:noFill/>
-          </a:ln>
-        </p:spPr>
-        <p:style>
-          <a:lnRef idx="2">
-            <a:schemeClr val="accent1">
-              <a:shade val="50000"/>
-            </a:schemeClr>
-          </a:lnRef>
-          <a:fillRef idx="1">
-            <a:schemeClr val="accent1"/>
-          </a:fillRef>
-          <a:effectRef idx="0">
-            <a:schemeClr val="accent1"/>
-          </a:effectRef>
-          <a:fontRef idx="minor">
-            <a:schemeClr val="lt1"/>
-          </a:fontRef>
-        </p:style>
-        <p:txBody>
-          <a:bodyPr rtlCol="0" anchor="ctr"/>
-          <a:lstStyle/>
-          <a:p>
-            <a:pPr algn="ctr"/>
-            <a:endParaRPr lang="en-US"/>
-          </a:p>
-        </p:txBody>
-      </p:sp>
-      <p:sp>
-        <p:nvSpPr>
-          <p:cNvPr id="5" name="Rectangle 4">
-            <a:extLst>
-              <a:ext uri="{FF2B5EF4-FFF2-40B4-BE49-F238E27FC236}">
-                <a16:creationId xmlns:a16="http://schemas.microsoft.com/office/drawing/2014/main" id="{7D2A643B-A84F-6345-9AA9-29CC96A9F6FB}"/>
-              </a:ext>
-            </a:extLst>
-          </p:cNvPr>
-          <p:cNvSpPr/>
-          <p:nvPr/>
-        </p:nvSpPr>
-        <p:spPr>
-          <a:xfrm>
-            <a:off x="5036234" y="2686929"/>
-            <a:ext cx="647114" cy="2236763"/>
-          </a:xfrm>
-          <a:prstGeom prst="rect">
-            <a:avLst/>
-          </a:prstGeom>
-          <a:solidFill>
-            <a:schemeClr val="bg1"/>
-          </a:solidFill>
-          <a:ln>
-            <a:noFill/>
-          </a:ln>
-        </p:spPr>
-        <p:style>
-          <a:lnRef idx="2">
-            <a:schemeClr val="accent1">
-              <a:shade val="50000"/>
-            </a:schemeClr>
-          </a:lnRef>
-          <a:fillRef idx="1">
-            <a:schemeClr val="accent1"/>
-          </a:fillRef>
-          <a:effectRef idx="0">
-            <a:schemeClr val="accent1"/>
-          </a:effectRef>
-          <a:fontRef idx="minor">
-            <a:schemeClr val="lt1"/>
-          </a:fontRef>
-        </p:style>
-        <p:txBody>
-          <a:bodyPr rtlCol="0" anchor="ctr"/>
-          <a:lstStyle/>
-          <a:p>
-            <a:pPr algn="ctr"/>
-            <a:endParaRPr lang="en-US"/>
-          </a:p>
-        </p:txBody>
-      </p:sp>
-      <p:sp>
-        <p:nvSpPr>
-          <p:cNvPr id="6" name="Rectangle 5">
-            <a:extLst>
-              <a:ext uri="{FF2B5EF4-FFF2-40B4-BE49-F238E27FC236}">
-                <a16:creationId xmlns:a16="http://schemas.microsoft.com/office/drawing/2014/main" id="{AE800E00-1046-B840-9C20-E817210F7575}"/>
-              </a:ext>
-            </a:extLst>
-          </p:cNvPr>
-          <p:cNvSpPr/>
-          <p:nvPr/>
-        </p:nvSpPr>
-        <p:spPr>
-          <a:xfrm>
-            <a:off x="10998591" y="2686928"/>
-            <a:ext cx="647114" cy="2236763"/>
-          </a:xfrm>
-          <a:prstGeom prst="rect">
-            <a:avLst/>
-          </a:prstGeom>
-          <a:solidFill>
-            <a:schemeClr val="bg1"/>
-          </a:solidFill>
-          <a:ln>
-            <a:noFill/>
-          </a:ln>
-        </p:spPr>
-        <p:style>
-          <a:lnRef idx="2">
-            <a:schemeClr val="accent1">
-              <a:shade val="50000"/>
-            </a:schemeClr>
-          </a:lnRef>
-          <a:fillRef idx="1">
-            <a:schemeClr val="accent1"/>
-          </a:fillRef>
-          <a:effectRef idx="0">
-            <a:schemeClr val="accent1"/>
-          </a:effectRef>
-          <a:fontRef idx="minor">
-            <a:schemeClr val="lt1"/>
-          </a:fontRef>
-        </p:style>
-        <p:txBody>
-          <a:bodyPr rtlCol="0" anchor="ctr"/>
-          <a:lstStyle/>
-          <a:p>
-            <a:pPr algn="ctr"/>
-            <a:endParaRPr lang="en-US"/>
-          </a:p>
-        </p:txBody>
-      </p:sp>
+        </p:grpSpPr>
+        <p:pic>
+          <p:nvPicPr>
+            <p:cNvPr id="7" name="Picture 6">
+              <a:extLst>
+                <a:ext uri="{FF2B5EF4-FFF2-40B4-BE49-F238E27FC236}">
+                  <a16:creationId xmlns:a16="http://schemas.microsoft.com/office/drawing/2014/main" id="{30E8BC5F-0F6C-BF4C-9670-81B83F271998}"/>
+                </a:ext>
+              </a:extLst>
+            </p:cNvPr>
+            <p:cNvPicPr>
+              <a:picLocks noChangeAspect="1"/>
+            </p:cNvPicPr>
+            <p:nvPr/>
+          </p:nvPicPr>
+          <p:blipFill>
+            <a:blip r:embed="rId2"/>
+            <a:stretch>
+              <a:fillRect/>
+            </a:stretch>
+          </p:blipFill>
+          <p:spPr>
+            <a:xfrm>
+              <a:off x="1066800" y="1143000"/>
+              <a:ext cx="10058400" cy="4572000"/>
+            </a:xfrm>
+            <a:prstGeom prst="rect">
+              <a:avLst/>
+            </a:prstGeom>
+          </p:spPr>
+        </p:pic>
+        <p:sp>
+          <p:nvSpPr>
+            <p:cNvPr id="4" name="Rectangle 3">
+              <a:extLst>
+                <a:ext uri="{FF2B5EF4-FFF2-40B4-BE49-F238E27FC236}">
+                  <a16:creationId xmlns:a16="http://schemas.microsoft.com/office/drawing/2014/main" id="{655B54C5-A53E-9C46-BB15-16051379DAA7}"/>
+                </a:ext>
+              </a:extLst>
+            </p:cNvPr>
+            <p:cNvSpPr/>
+            <p:nvPr/>
+          </p:nvSpPr>
+          <p:spPr>
+            <a:xfrm>
+              <a:off x="5296487" y="1343464"/>
+              <a:ext cx="479473" cy="1964789"/>
+            </a:xfrm>
+            <a:prstGeom prst="rect">
+              <a:avLst/>
+            </a:prstGeom>
+            <a:solidFill>
+              <a:schemeClr val="bg1"/>
+            </a:solidFill>
+            <a:ln>
+              <a:noFill/>
+            </a:ln>
+          </p:spPr>
+          <p:style>
+            <a:lnRef idx="2">
+              <a:schemeClr val="accent1">
+                <a:shade val="50000"/>
+              </a:schemeClr>
+            </a:lnRef>
+            <a:fillRef idx="1">
+              <a:schemeClr val="accent1"/>
+            </a:fillRef>
+            <a:effectRef idx="0">
+              <a:schemeClr val="accent1"/>
+            </a:effectRef>
+            <a:fontRef idx="minor">
+              <a:schemeClr val="lt1"/>
+            </a:fontRef>
+          </p:style>
+          <p:txBody>
+            <a:bodyPr rtlCol="0" anchor="ctr"/>
+            <a:lstStyle/>
+            <a:p>
+              <a:pPr algn="ctr"/>
+              <a:endParaRPr lang="en-US"/>
+            </a:p>
+          </p:txBody>
+        </p:sp>
+        <p:sp>
+          <p:nvSpPr>
+            <p:cNvPr id="5" name="Rectangle 4">
+              <a:extLst>
+                <a:ext uri="{FF2B5EF4-FFF2-40B4-BE49-F238E27FC236}">
+                  <a16:creationId xmlns:a16="http://schemas.microsoft.com/office/drawing/2014/main" id="{7D2A643B-A84F-6345-9AA9-29CC96A9F6FB}"/>
+                </a:ext>
+              </a:extLst>
+            </p:cNvPr>
+            <p:cNvSpPr/>
+            <p:nvPr/>
+          </p:nvSpPr>
+          <p:spPr>
+            <a:xfrm>
+              <a:off x="5359791" y="3277773"/>
+              <a:ext cx="647114" cy="2236763"/>
+            </a:xfrm>
+            <a:prstGeom prst="rect">
+              <a:avLst/>
+            </a:prstGeom>
+            <a:solidFill>
+              <a:schemeClr val="bg1"/>
+            </a:solidFill>
+            <a:ln>
+              <a:noFill/>
+            </a:ln>
+          </p:spPr>
+          <p:style>
+            <a:lnRef idx="2">
+              <a:schemeClr val="accent1">
+                <a:shade val="50000"/>
+              </a:schemeClr>
+            </a:lnRef>
+            <a:fillRef idx="1">
+              <a:schemeClr val="accent1"/>
+            </a:fillRef>
+            <a:effectRef idx="0">
+              <a:schemeClr val="accent1"/>
+            </a:effectRef>
+            <a:fontRef idx="minor">
+              <a:schemeClr val="lt1"/>
+            </a:fontRef>
+          </p:style>
+          <p:txBody>
+            <a:bodyPr rtlCol="0" anchor="ctr"/>
+            <a:lstStyle/>
+            <a:p>
+              <a:pPr algn="ctr"/>
+              <a:endParaRPr lang="en-US"/>
+            </a:p>
+          </p:txBody>
+        </p:sp>
+        <p:sp>
+          <p:nvSpPr>
+            <p:cNvPr id="6" name="Rectangle 5">
+              <a:extLst>
+                <a:ext uri="{FF2B5EF4-FFF2-40B4-BE49-F238E27FC236}">
+                  <a16:creationId xmlns:a16="http://schemas.microsoft.com/office/drawing/2014/main" id="{AE800E00-1046-B840-9C20-E817210F7575}"/>
+                </a:ext>
+              </a:extLst>
+            </p:cNvPr>
+            <p:cNvSpPr/>
+            <p:nvPr/>
+          </p:nvSpPr>
+          <p:spPr>
+            <a:xfrm>
+              <a:off x="10378441" y="3308253"/>
+              <a:ext cx="647114" cy="2236763"/>
+            </a:xfrm>
+            <a:prstGeom prst="rect">
+              <a:avLst/>
+            </a:prstGeom>
+            <a:solidFill>
+              <a:schemeClr val="bg1"/>
+            </a:solidFill>
+            <a:ln>
+              <a:noFill/>
+            </a:ln>
+          </p:spPr>
+          <p:style>
+            <a:lnRef idx="2">
+              <a:schemeClr val="accent1">
+                <a:shade val="50000"/>
+              </a:schemeClr>
+            </a:lnRef>
+            <a:fillRef idx="1">
+              <a:schemeClr val="accent1"/>
+            </a:fillRef>
+            <a:effectRef idx="0">
+              <a:schemeClr val="accent1"/>
+            </a:effectRef>
+            <a:fontRef idx="minor">
+              <a:schemeClr val="lt1"/>
+            </a:fontRef>
+          </p:style>
+          <p:txBody>
+            <a:bodyPr rtlCol="0" anchor="ctr"/>
+            <a:lstStyle/>
+            <a:p>
+              <a:pPr algn="ctr"/>
+              <a:endParaRPr lang="en-US"/>
+            </a:p>
+          </p:txBody>
+        </p:sp>
+      </p:grpSp>
     </p:spTree>
     <p:extLst>
       <p:ext uri="{BB962C8B-B14F-4D97-AF65-F5344CB8AC3E}">
@@ -4853,36 +4864,6 @@
           <a:chExt cx="0" cy="0"/>
         </a:xfrm>
       </p:grpSpPr>
-      <p:pic>
-        <p:nvPicPr>
-          <p:cNvPr id="3" name="Picture 2">
-            <a:extLst>
-              <a:ext uri="{FF2B5EF4-FFF2-40B4-BE49-F238E27FC236}">
-                <a16:creationId xmlns:a16="http://schemas.microsoft.com/office/drawing/2014/main" id="{E89207CD-BC4A-2C43-A2B4-D1AEC990C18E}"/>
-              </a:ext>
-            </a:extLst>
-          </p:cNvPr>
-          <p:cNvPicPr>
-            <a:picLocks noChangeAspect="1"/>
-          </p:cNvPicPr>
-          <p:nvPr/>
-        </p:nvPicPr>
-        <p:blipFill>
-          <a:blip r:embed="rId2"/>
-          <a:stretch>
-            <a:fillRect/>
-          </a:stretch>
-        </p:blipFill>
-        <p:spPr>
-          <a:xfrm>
-            <a:off x="0" y="0"/>
-            <a:ext cx="11887200" cy="5403273"/>
-          </a:xfrm>
-          <a:prstGeom prst="rect">
-            <a:avLst/>
-          </a:prstGeom>
-        </p:spPr>
-      </p:pic>
       <p:sp>
         <p:nvSpPr>
           <p:cNvPr id="4" name="Rectangle 3">
@@ -5039,6 +5020,36 @@
           </a:p>
         </p:txBody>
       </p:sp>
+      <p:pic>
+        <p:nvPicPr>
+          <p:cNvPr id="7" name="Picture 6">
+            <a:extLst>
+              <a:ext uri="{FF2B5EF4-FFF2-40B4-BE49-F238E27FC236}">
+                <a16:creationId xmlns:a16="http://schemas.microsoft.com/office/drawing/2014/main" id="{9A8B9F4F-D699-974E-BC45-50364080F856}"/>
+              </a:ext>
+            </a:extLst>
+          </p:cNvPr>
+          <p:cNvPicPr>
+            <a:picLocks noChangeAspect="1"/>
+          </p:cNvPicPr>
+          <p:nvPr/>
+        </p:nvPicPr>
+        <p:blipFill>
+          <a:blip r:embed="rId2"/>
+          <a:stretch>
+            <a:fillRect/>
+          </a:stretch>
+        </p:blipFill>
+        <p:spPr>
+          <a:xfrm>
+            <a:off x="1066800" y="1143000"/>
+            <a:ext cx="10058400" cy="4572000"/>
+          </a:xfrm>
+          <a:prstGeom prst="rect">
+            <a:avLst/>
+          </a:prstGeom>
+        </p:spPr>
+      </p:pic>
     </p:spTree>
     <p:extLst>
       <p:ext uri="{BB962C8B-B14F-4D97-AF65-F5344CB8AC3E}">
@@ -5069,192 +5080,213 @@
           <a:chExt cx="0" cy="0"/>
         </a:xfrm>
       </p:grpSpPr>
-      <p:pic>
-        <p:nvPicPr>
-          <p:cNvPr id="3" name="Picture 2">
-            <a:extLst>
-              <a:ext uri="{FF2B5EF4-FFF2-40B4-BE49-F238E27FC236}">
-                <a16:creationId xmlns:a16="http://schemas.microsoft.com/office/drawing/2014/main" id="{1E52755B-DB40-FF40-806E-9BFEF9F98E29}"/>
-              </a:ext>
-            </a:extLst>
-          </p:cNvPr>
-          <p:cNvPicPr>
-            <a:picLocks noChangeAspect="1"/>
-          </p:cNvPicPr>
+      <p:grpSp>
+        <p:nvGrpSpPr>
+          <p:cNvPr id="8" name="Group 7">
+            <a:extLst>
+              <a:ext uri="{FF2B5EF4-FFF2-40B4-BE49-F238E27FC236}">
+                <a16:creationId xmlns:a16="http://schemas.microsoft.com/office/drawing/2014/main" id="{2AB88D96-BE83-5940-A99F-B6D6B7840FE6}"/>
+              </a:ext>
+            </a:extLst>
+          </p:cNvPr>
+          <p:cNvGrpSpPr/>
           <p:nvPr/>
-        </p:nvPicPr>
-        <p:blipFill>
-          <a:blip r:embed="rId2"/>
-          <a:stretch>
-            <a:fillRect/>
-          </a:stretch>
-        </p:blipFill>
-        <p:spPr>
+        </p:nvGrpSpPr>
+        <p:grpSpPr>
           <a:xfrm>
-            <a:off x="0" y="0"/>
-            <a:ext cx="11887200" cy="5403273"/>
+            <a:off x="1066800" y="1041010"/>
+            <a:ext cx="10058400" cy="4673990"/>
+            <a:chOff x="1066800" y="1041010"/>
+            <a:chExt cx="10058400" cy="4673990"/>
           </a:xfrm>
-          <a:prstGeom prst="rect">
-            <a:avLst/>
-          </a:prstGeom>
-        </p:spPr>
-      </p:pic>
-      <p:sp>
-        <p:nvSpPr>
-          <p:cNvPr id="4" name="Rectangle 3">
-            <a:extLst>
-              <a:ext uri="{FF2B5EF4-FFF2-40B4-BE49-F238E27FC236}">
-                <a16:creationId xmlns:a16="http://schemas.microsoft.com/office/drawing/2014/main" id="{980B6B0F-0473-AC45-BA2F-9F030A553745}"/>
-              </a:ext>
-            </a:extLst>
-          </p:cNvPr>
-          <p:cNvSpPr/>
-          <p:nvPr/>
-        </p:nvSpPr>
-        <p:spPr>
-          <a:xfrm>
-            <a:off x="5036234" y="225083"/>
-            <a:ext cx="647114" cy="2236763"/>
-          </a:xfrm>
-          <a:prstGeom prst="rect">
-            <a:avLst/>
-          </a:prstGeom>
-          <a:solidFill>
-            <a:schemeClr val="bg1"/>
-          </a:solidFill>
-          <a:ln>
-            <a:noFill/>
-          </a:ln>
-        </p:spPr>
-        <p:style>
-          <a:lnRef idx="2">
-            <a:schemeClr val="accent1">
-              <a:shade val="50000"/>
-            </a:schemeClr>
-          </a:lnRef>
-          <a:fillRef idx="1">
-            <a:schemeClr val="accent1"/>
-          </a:fillRef>
-          <a:effectRef idx="0">
-            <a:schemeClr val="accent1"/>
-          </a:effectRef>
-          <a:fontRef idx="minor">
-            <a:schemeClr val="lt1"/>
-          </a:fontRef>
-        </p:style>
-        <p:txBody>
-          <a:bodyPr rtlCol="0" anchor="ctr"/>
-          <a:lstStyle/>
-          <a:p>
-            <a:pPr algn="ctr"/>
-            <a:endParaRPr lang="en-US"/>
-          </a:p>
-        </p:txBody>
-      </p:sp>
-      <p:sp>
-        <p:nvSpPr>
-          <p:cNvPr id="5" name="Rectangle 4">
-            <a:extLst>
-              <a:ext uri="{FF2B5EF4-FFF2-40B4-BE49-F238E27FC236}">
-                <a16:creationId xmlns:a16="http://schemas.microsoft.com/office/drawing/2014/main" id="{B427372D-5CBF-E74F-AA36-828C1AE66943}"/>
-              </a:ext>
-            </a:extLst>
-          </p:cNvPr>
-          <p:cNvSpPr/>
-          <p:nvPr/>
-        </p:nvSpPr>
-        <p:spPr>
-          <a:xfrm>
-            <a:off x="5036234" y="2686929"/>
-            <a:ext cx="647114" cy="2236763"/>
-          </a:xfrm>
-          <a:prstGeom prst="rect">
-            <a:avLst/>
-          </a:prstGeom>
-          <a:solidFill>
-            <a:schemeClr val="bg1"/>
-          </a:solidFill>
-          <a:ln>
-            <a:noFill/>
-          </a:ln>
-        </p:spPr>
-        <p:style>
-          <a:lnRef idx="2">
-            <a:schemeClr val="accent1">
-              <a:shade val="50000"/>
-            </a:schemeClr>
-          </a:lnRef>
-          <a:fillRef idx="1">
-            <a:schemeClr val="accent1"/>
-          </a:fillRef>
-          <a:effectRef idx="0">
-            <a:schemeClr val="accent1"/>
-          </a:effectRef>
-          <a:fontRef idx="minor">
-            <a:schemeClr val="lt1"/>
-          </a:fontRef>
-        </p:style>
-        <p:txBody>
-          <a:bodyPr rtlCol="0" anchor="ctr"/>
-          <a:lstStyle/>
-          <a:p>
-            <a:pPr algn="ctr"/>
-            <a:endParaRPr lang="en-US"/>
-          </a:p>
-        </p:txBody>
-      </p:sp>
-      <p:sp>
-        <p:nvSpPr>
-          <p:cNvPr id="6" name="Rectangle 5">
-            <a:extLst>
-              <a:ext uri="{FF2B5EF4-FFF2-40B4-BE49-F238E27FC236}">
-                <a16:creationId xmlns:a16="http://schemas.microsoft.com/office/drawing/2014/main" id="{87CE6531-D203-404B-88DE-3C6CE21D6C06}"/>
-              </a:ext>
-            </a:extLst>
-          </p:cNvPr>
-          <p:cNvSpPr/>
-          <p:nvPr/>
-        </p:nvSpPr>
-        <p:spPr>
-          <a:xfrm>
-            <a:off x="10998591" y="2686928"/>
-            <a:ext cx="647114" cy="2236763"/>
-          </a:xfrm>
-          <a:prstGeom prst="rect">
-            <a:avLst/>
-          </a:prstGeom>
-          <a:solidFill>
-            <a:schemeClr val="bg1"/>
-          </a:solidFill>
-          <a:ln>
-            <a:noFill/>
-          </a:ln>
-        </p:spPr>
-        <p:style>
-          <a:lnRef idx="2">
-            <a:schemeClr val="accent1">
-              <a:shade val="50000"/>
-            </a:schemeClr>
-          </a:lnRef>
-          <a:fillRef idx="1">
-            <a:schemeClr val="accent1"/>
-          </a:fillRef>
-          <a:effectRef idx="0">
-            <a:schemeClr val="accent1"/>
-          </a:effectRef>
-          <a:fontRef idx="minor">
-            <a:schemeClr val="lt1"/>
-          </a:fontRef>
-        </p:style>
-        <p:txBody>
-          <a:bodyPr rtlCol="0" anchor="ctr"/>
-          <a:lstStyle/>
-          <a:p>
-            <a:pPr algn="ctr"/>
-            <a:endParaRPr lang="en-US"/>
-          </a:p>
-        </p:txBody>
-      </p:sp>
+        </p:grpSpPr>
+        <p:pic>
+          <p:nvPicPr>
+            <p:cNvPr id="7" name="Picture 6">
+              <a:extLst>
+                <a:ext uri="{FF2B5EF4-FFF2-40B4-BE49-F238E27FC236}">
+                  <a16:creationId xmlns:a16="http://schemas.microsoft.com/office/drawing/2014/main" id="{C5D29833-681B-5B43-B2F2-702B5F118202}"/>
+                </a:ext>
+              </a:extLst>
+            </p:cNvPr>
+            <p:cNvPicPr>
+              <a:picLocks noChangeAspect="1"/>
+            </p:cNvPicPr>
+            <p:nvPr/>
+          </p:nvPicPr>
+          <p:blipFill>
+            <a:blip r:embed="rId2"/>
+            <a:stretch>
+              <a:fillRect/>
+            </a:stretch>
+          </p:blipFill>
+          <p:spPr>
+            <a:xfrm>
+              <a:off x="1066800" y="1143000"/>
+              <a:ext cx="10058400" cy="4572000"/>
+            </a:xfrm>
+            <a:prstGeom prst="rect">
+              <a:avLst/>
+            </a:prstGeom>
+          </p:spPr>
+        </p:pic>
+        <p:sp>
+          <p:nvSpPr>
+            <p:cNvPr id="4" name="Rectangle 3">
+              <a:extLst>
+                <a:ext uri="{FF2B5EF4-FFF2-40B4-BE49-F238E27FC236}">
+                  <a16:creationId xmlns:a16="http://schemas.microsoft.com/office/drawing/2014/main" id="{980B6B0F-0473-AC45-BA2F-9F030A553745}"/>
+                </a:ext>
+              </a:extLst>
+            </p:cNvPr>
+            <p:cNvSpPr/>
+            <p:nvPr/>
+          </p:nvSpPr>
+          <p:spPr>
+            <a:xfrm>
+              <a:off x="5385582" y="1041010"/>
+              <a:ext cx="647114" cy="2236763"/>
+            </a:xfrm>
+            <a:prstGeom prst="rect">
+              <a:avLst/>
+            </a:prstGeom>
+            <a:solidFill>
+              <a:schemeClr val="bg1"/>
+            </a:solidFill>
+            <a:ln>
+              <a:noFill/>
+            </a:ln>
+          </p:spPr>
+          <p:style>
+            <a:lnRef idx="2">
+              <a:schemeClr val="accent1">
+                <a:shade val="50000"/>
+              </a:schemeClr>
+            </a:lnRef>
+            <a:fillRef idx="1">
+              <a:schemeClr val="accent1"/>
+            </a:fillRef>
+            <a:effectRef idx="0">
+              <a:schemeClr val="accent1"/>
+            </a:effectRef>
+            <a:fontRef idx="minor">
+              <a:schemeClr val="lt1"/>
+            </a:fontRef>
+          </p:style>
+          <p:txBody>
+            <a:bodyPr rtlCol="0" anchor="ctr"/>
+            <a:lstStyle/>
+            <a:p>
+              <a:pPr algn="ctr"/>
+              <a:endParaRPr lang="en-US"/>
+            </a:p>
+          </p:txBody>
+        </p:sp>
+        <p:sp>
+          <p:nvSpPr>
+            <p:cNvPr id="5" name="Rectangle 4">
+              <a:extLst>
+                <a:ext uri="{FF2B5EF4-FFF2-40B4-BE49-F238E27FC236}">
+                  <a16:creationId xmlns:a16="http://schemas.microsoft.com/office/drawing/2014/main" id="{B427372D-5CBF-E74F-AA36-828C1AE66943}"/>
+                </a:ext>
+              </a:extLst>
+            </p:cNvPr>
+            <p:cNvSpPr/>
+            <p:nvPr/>
+          </p:nvSpPr>
+          <p:spPr>
+            <a:xfrm>
+              <a:off x="5448886" y="3277773"/>
+              <a:ext cx="647114" cy="2236763"/>
+            </a:xfrm>
+            <a:prstGeom prst="rect">
+              <a:avLst/>
+            </a:prstGeom>
+            <a:solidFill>
+              <a:schemeClr val="bg1"/>
+            </a:solidFill>
+            <a:ln>
+              <a:noFill/>
+            </a:ln>
+          </p:spPr>
+          <p:style>
+            <a:lnRef idx="2">
+              <a:schemeClr val="accent1">
+                <a:shade val="50000"/>
+              </a:schemeClr>
+            </a:lnRef>
+            <a:fillRef idx="1">
+              <a:schemeClr val="accent1"/>
+            </a:fillRef>
+            <a:effectRef idx="0">
+              <a:schemeClr val="accent1"/>
+            </a:effectRef>
+            <a:fontRef idx="minor">
+              <a:schemeClr val="lt1"/>
+            </a:fontRef>
+          </p:style>
+          <p:txBody>
+            <a:bodyPr rtlCol="0" anchor="ctr"/>
+            <a:lstStyle/>
+            <a:p>
+              <a:pPr algn="ctr"/>
+              <a:endParaRPr lang="en-US"/>
+            </a:p>
+          </p:txBody>
+        </p:sp>
+        <p:sp>
+          <p:nvSpPr>
+            <p:cNvPr id="6" name="Rectangle 5">
+              <a:extLst>
+                <a:ext uri="{FF2B5EF4-FFF2-40B4-BE49-F238E27FC236}">
+                  <a16:creationId xmlns:a16="http://schemas.microsoft.com/office/drawing/2014/main" id="{87CE6531-D203-404B-88DE-3C6CE21D6C06}"/>
+                </a:ext>
+              </a:extLst>
+            </p:cNvPr>
+            <p:cNvSpPr/>
+            <p:nvPr/>
+          </p:nvSpPr>
+          <p:spPr>
+            <a:xfrm>
+              <a:off x="10350306" y="3277773"/>
+              <a:ext cx="647114" cy="2236763"/>
+            </a:xfrm>
+            <a:prstGeom prst="rect">
+              <a:avLst/>
+            </a:prstGeom>
+            <a:solidFill>
+              <a:schemeClr val="bg1"/>
+            </a:solidFill>
+            <a:ln>
+              <a:noFill/>
+            </a:ln>
+          </p:spPr>
+          <p:style>
+            <a:lnRef idx="2">
+              <a:schemeClr val="accent1">
+                <a:shade val="50000"/>
+              </a:schemeClr>
+            </a:lnRef>
+            <a:fillRef idx="1">
+              <a:schemeClr val="accent1"/>
+            </a:fillRef>
+            <a:effectRef idx="0">
+              <a:schemeClr val="accent1"/>
+            </a:effectRef>
+            <a:fontRef idx="minor">
+              <a:schemeClr val="lt1"/>
+            </a:fontRef>
+          </p:style>
+          <p:txBody>
+            <a:bodyPr rtlCol="0" anchor="ctr"/>
+            <a:lstStyle/>
+            <a:p>
+              <a:pPr algn="ctr"/>
+              <a:endParaRPr lang="en-US"/>
+            </a:p>
+          </p:txBody>
+        </p:sp>
+      </p:grpSp>
     </p:spTree>
     <p:extLst>
       <p:ext uri="{BB962C8B-B14F-4D97-AF65-F5344CB8AC3E}">
@@ -5285,192 +5317,213 @@
           <a:chExt cx="0" cy="0"/>
         </a:xfrm>
       </p:grpSpPr>
-      <p:pic>
-        <p:nvPicPr>
-          <p:cNvPr id="3" name="Picture 2">
-            <a:extLst>
-              <a:ext uri="{FF2B5EF4-FFF2-40B4-BE49-F238E27FC236}">
-                <a16:creationId xmlns:a16="http://schemas.microsoft.com/office/drawing/2014/main" id="{6B59ED73-5CA4-0149-A25C-65C4762243AD}"/>
-              </a:ext>
-            </a:extLst>
-          </p:cNvPr>
-          <p:cNvPicPr>
-            <a:picLocks noChangeAspect="1"/>
-          </p:cNvPicPr>
+      <p:grpSp>
+        <p:nvGrpSpPr>
+          <p:cNvPr id="8" name="Group 7">
+            <a:extLst>
+              <a:ext uri="{FF2B5EF4-FFF2-40B4-BE49-F238E27FC236}">
+                <a16:creationId xmlns:a16="http://schemas.microsoft.com/office/drawing/2014/main" id="{87315C12-F9EB-1341-A4AE-8F1FA45AA405}"/>
+              </a:ext>
+            </a:extLst>
+          </p:cNvPr>
+          <p:cNvGrpSpPr/>
           <p:nvPr/>
-        </p:nvPicPr>
-        <p:blipFill>
-          <a:blip r:embed="rId2"/>
-          <a:stretch>
-            <a:fillRect/>
-          </a:stretch>
-        </p:blipFill>
-        <p:spPr>
+        </p:nvGrpSpPr>
+        <p:grpSpPr>
           <a:xfrm>
-            <a:off x="0" y="0"/>
-            <a:ext cx="11887200" cy="5403273"/>
+            <a:off x="1066800" y="1143000"/>
+            <a:ext cx="10058400" cy="4572000"/>
+            <a:chOff x="1066800" y="1143000"/>
+            <a:chExt cx="10058400" cy="4572000"/>
           </a:xfrm>
-          <a:prstGeom prst="rect">
-            <a:avLst/>
-          </a:prstGeom>
-        </p:spPr>
-      </p:pic>
-      <p:sp>
-        <p:nvSpPr>
-          <p:cNvPr id="4" name="Rectangle 3">
-            <a:extLst>
-              <a:ext uri="{FF2B5EF4-FFF2-40B4-BE49-F238E27FC236}">
-                <a16:creationId xmlns:a16="http://schemas.microsoft.com/office/drawing/2014/main" id="{7303709F-0CBB-1645-A258-E6C5C9ECCE76}"/>
-              </a:ext>
-            </a:extLst>
-          </p:cNvPr>
-          <p:cNvSpPr/>
-          <p:nvPr/>
-        </p:nvSpPr>
-        <p:spPr>
-          <a:xfrm>
-            <a:off x="5036234" y="225083"/>
-            <a:ext cx="647114" cy="2236763"/>
-          </a:xfrm>
-          <a:prstGeom prst="rect">
-            <a:avLst/>
-          </a:prstGeom>
-          <a:solidFill>
-            <a:schemeClr val="bg1"/>
-          </a:solidFill>
-          <a:ln>
-            <a:noFill/>
-          </a:ln>
-        </p:spPr>
-        <p:style>
-          <a:lnRef idx="2">
-            <a:schemeClr val="accent1">
-              <a:shade val="50000"/>
-            </a:schemeClr>
-          </a:lnRef>
-          <a:fillRef idx="1">
-            <a:schemeClr val="accent1"/>
-          </a:fillRef>
-          <a:effectRef idx="0">
-            <a:schemeClr val="accent1"/>
-          </a:effectRef>
-          <a:fontRef idx="minor">
-            <a:schemeClr val="lt1"/>
-          </a:fontRef>
-        </p:style>
-        <p:txBody>
-          <a:bodyPr rtlCol="0" anchor="ctr"/>
-          <a:lstStyle/>
-          <a:p>
-            <a:pPr algn="ctr"/>
-            <a:endParaRPr lang="en-US"/>
-          </a:p>
-        </p:txBody>
-      </p:sp>
-      <p:sp>
-        <p:nvSpPr>
-          <p:cNvPr id="5" name="Rectangle 4">
-            <a:extLst>
-              <a:ext uri="{FF2B5EF4-FFF2-40B4-BE49-F238E27FC236}">
-                <a16:creationId xmlns:a16="http://schemas.microsoft.com/office/drawing/2014/main" id="{E5731046-DA7F-E04B-96C0-6DEBA18CCE96}"/>
-              </a:ext>
-            </a:extLst>
-          </p:cNvPr>
-          <p:cNvSpPr/>
-          <p:nvPr/>
-        </p:nvSpPr>
-        <p:spPr>
-          <a:xfrm>
-            <a:off x="5036234" y="2686929"/>
-            <a:ext cx="647114" cy="2236763"/>
-          </a:xfrm>
-          <a:prstGeom prst="rect">
-            <a:avLst/>
-          </a:prstGeom>
-          <a:solidFill>
-            <a:schemeClr val="bg1"/>
-          </a:solidFill>
-          <a:ln>
-            <a:noFill/>
-          </a:ln>
-        </p:spPr>
-        <p:style>
-          <a:lnRef idx="2">
-            <a:schemeClr val="accent1">
-              <a:shade val="50000"/>
-            </a:schemeClr>
-          </a:lnRef>
-          <a:fillRef idx="1">
-            <a:schemeClr val="accent1"/>
-          </a:fillRef>
-          <a:effectRef idx="0">
-            <a:schemeClr val="accent1"/>
-          </a:effectRef>
-          <a:fontRef idx="minor">
-            <a:schemeClr val="lt1"/>
-          </a:fontRef>
-        </p:style>
-        <p:txBody>
-          <a:bodyPr rtlCol="0" anchor="ctr"/>
-          <a:lstStyle/>
-          <a:p>
-            <a:pPr algn="ctr"/>
-            <a:endParaRPr lang="en-US"/>
-          </a:p>
-        </p:txBody>
-      </p:sp>
-      <p:sp>
-        <p:nvSpPr>
-          <p:cNvPr id="6" name="Rectangle 5">
-            <a:extLst>
-              <a:ext uri="{FF2B5EF4-FFF2-40B4-BE49-F238E27FC236}">
-                <a16:creationId xmlns:a16="http://schemas.microsoft.com/office/drawing/2014/main" id="{8B9542AB-8921-A948-A90D-721CFBCDD8FE}"/>
-              </a:ext>
-            </a:extLst>
-          </p:cNvPr>
-          <p:cNvSpPr/>
-          <p:nvPr/>
-        </p:nvSpPr>
-        <p:spPr>
-          <a:xfrm>
-            <a:off x="10998591" y="2686928"/>
-            <a:ext cx="647114" cy="2236763"/>
-          </a:xfrm>
-          <a:prstGeom prst="rect">
-            <a:avLst/>
-          </a:prstGeom>
-          <a:solidFill>
-            <a:schemeClr val="bg1"/>
-          </a:solidFill>
-          <a:ln>
-            <a:noFill/>
-          </a:ln>
-        </p:spPr>
-        <p:style>
-          <a:lnRef idx="2">
-            <a:schemeClr val="accent1">
-              <a:shade val="50000"/>
-            </a:schemeClr>
-          </a:lnRef>
-          <a:fillRef idx="1">
-            <a:schemeClr val="accent1"/>
-          </a:fillRef>
-          <a:effectRef idx="0">
-            <a:schemeClr val="accent1"/>
-          </a:effectRef>
-          <a:fontRef idx="minor">
-            <a:schemeClr val="lt1"/>
-          </a:fontRef>
-        </p:style>
-        <p:txBody>
-          <a:bodyPr rtlCol="0" anchor="ctr"/>
-          <a:lstStyle/>
-          <a:p>
-            <a:pPr algn="ctr"/>
-            <a:endParaRPr lang="en-US"/>
-          </a:p>
-        </p:txBody>
-      </p:sp>
+        </p:grpSpPr>
+        <p:pic>
+          <p:nvPicPr>
+            <p:cNvPr id="7" name="Picture 6">
+              <a:extLst>
+                <a:ext uri="{FF2B5EF4-FFF2-40B4-BE49-F238E27FC236}">
+                  <a16:creationId xmlns:a16="http://schemas.microsoft.com/office/drawing/2014/main" id="{84CF5F0D-9EA1-7F48-B38C-605BD22F0DB8}"/>
+                </a:ext>
+              </a:extLst>
+            </p:cNvPr>
+            <p:cNvPicPr>
+              <a:picLocks noChangeAspect="1"/>
+            </p:cNvPicPr>
+            <p:nvPr/>
+          </p:nvPicPr>
+          <p:blipFill>
+            <a:blip r:embed="rId2"/>
+            <a:stretch>
+              <a:fillRect/>
+            </a:stretch>
+          </p:blipFill>
+          <p:spPr>
+            <a:xfrm>
+              <a:off x="1066800" y="1143000"/>
+              <a:ext cx="10058400" cy="4572000"/>
+            </a:xfrm>
+            <a:prstGeom prst="rect">
+              <a:avLst/>
+            </a:prstGeom>
+          </p:spPr>
+        </p:pic>
+        <p:sp>
+          <p:nvSpPr>
+            <p:cNvPr id="4" name="Rectangle 3">
+              <a:extLst>
+                <a:ext uri="{FF2B5EF4-FFF2-40B4-BE49-F238E27FC236}">
+                  <a16:creationId xmlns:a16="http://schemas.microsoft.com/office/drawing/2014/main" id="{7303709F-0CBB-1645-A258-E6C5C9ECCE76}"/>
+                </a:ext>
+              </a:extLst>
+            </p:cNvPr>
+            <p:cNvSpPr/>
+            <p:nvPr/>
+          </p:nvSpPr>
+          <p:spPr>
+            <a:xfrm>
+              <a:off x="5448886" y="1343464"/>
+              <a:ext cx="583810" cy="2236763"/>
+            </a:xfrm>
+            <a:prstGeom prst="rect">
+              <a:avLst/>
+            </a:prstGeom>
+            <a:solidFill>
+              <a:schemeClr val="bg1"/>
+            </a:solidFill>
+            <a:ln>
+              <a:noFill/>
+            </a:ln>
+          </p:spPr>
+          <p:style>
+            <a:lnRef idx="2">
+              <a:schemeClr val="accent1">
+                <a:shade val="50000"/>
+              </a:schemeClr>
+            </a:lnRef>
+            <a:fillRef idx="1">
+              <a:schemeClr val="accent1"/>
+            </a:fillRef>
+            <a:effectRef idx="0">
+              <a:schemeClr val="accent1"/>
+            </a:effectRef>
+            <a:fontRef idx="minor">
+              <a:schemeClr val="lt1"/>
+            </a:fontRef>
+          </p:style>
+          <p:txBody>
+            <a:bodyPr rtlCol="0" anchor="ctr"/>
+            <a:lstStyle/>
+            <a:p>
+              <a:pPr algn="ctr"/>
+              <a:endParaRPr lang="en-US"/>
+            </a:p>
+          </p:txBody>
+        </p:sp>
+        <p:sp>
+          <p:nvSpPr>
+            <p:cNvPr id="5" name="Rectangle 4">
+              <a:extLst>
+                <a:ext uri="{FF2B5EF4-FFF2-40B4-BE49-F238E27FC236}">
+                  <a16:creationId xmlns:a16="http://schemas.microsoft.com/office/drawing/2014/main" id="{E5731046-DA7F-E04B-96C0-6DEBA18CCE96}"/>
+                </a:ext>
+              </a:extLst>
+            </p:cNvPr>
+            <p:cNvSpPr/>
+            <p:nvPr/>
+          </p:nvSpPr>
+          <p:spPr>
+            <a:xfrm>
+              <a:off x="5385582" y="3277773"/>
+              <a:ext cx="647114" cy="2236763"/>
+            </a:xfrm>
+            <a:prstGeom prst="rect">
+              <a:avLst/>
+            </a:prstGeom>
+            <a:solidFill>
+              <a:schemeClr val="bg1"/>
+            </a:solidFill>
+            <a:ln>
+              <a:noFill/>
+            </a:ln>
+          </p:spPr>
+          <p:style>
+            <a:lnRef idx="2">
+              <a:schemeClr val="accent1">
+                <a:shade val="50000"/>
+              </a:schemeClr>
+            </a:lnRef>
+            <a:fillRef idx="1">
+              <a:schemeClr val="accent1"/>
+            </a:fillRef>
+            <a:effectRef idx="0">
+              <a:schemeClr val="accent1"/>
+            </a:effectRef>
+            <a:fontRef idx="minor">
+              <a:schemeClr val="lt1"/>
+            </a:fontRef>
+          </p:style>
+          <p:txBody>
+            <a:bodyPr rtlCol="0" anchor="ctr"/>
+            <a:lstStyle/>
+            <a:p>
+              <a:pPr algn="ctr"/>
+              <a:endParaRPr lang="en-US"/>
+            </a:p>
+          </p:txBody>
+        </p:sp>
+        <p:sp>
+          <p:nvSpPr>
+            <p:cNvPr id="6" name="Rectangle 5">
+              <a:extLst>
+                <a:ext uri="{FF2B5EF4-FFF2-40B4-BE49-F238E27FC236}">
+                  <a16:creationId xmlns:a16="http://schemas.microsoft.com/office/drawing/2014/main" id="{8B9542AB-8921-A948-A90D-721CFBCDD8FE}"/>
+                </a:ext>
+              </a:extLst>
+            </p:cNvPr>
+            <p:cNvSpPr/>
+            <p:nvPr/>
+          </p:nvSpPr>
+          <p:spPr>
+            <a:xfrm>
+              <a:off x="10351478" y="3277773"/>
+              <a:ext cx="647114" cy="2236763"/>
+            </a:xfrm>
+            <a:prstGeom prst="rect">
+              <a:avLst/>
+            </a:prstGeom>
+            <a:solidFill>
+              <a:schemeClr val="bg1"/>
+            </a:solidFill>
+            <a:ln>
+              <a:noFill/>
+            </a:ln>
+          </p:spPr>
+          <p:style>
+            <a:lnRef idx="2">
+              <a:schemeClr val="accent1">
+                <a:shade val="50000"/>
+              </a:schemeClr>
+            </a:lnRef>
+            <a:fillRef idx="1">
+              <a:schemeClr val="accent1"/>
+            </a:fillRef>
+            <a:effectRef idx="0">
+              <a:schemeClr val="accent1"/>
+            </a:effectRef>
+            <a:fontRef idx="minor">
+              <a:schemeClr val="lt1"/>
+            </a:fontRef>
+          </p:style>
+          <p:txBody>
+            <a:bodyPr rtlCol="0" anchor="ctr"/>
+            <a:lstStyle/>
+            <a:p>
+              <a:pPr algn="ctr"/>
+              <a:endParaRPr lang="en-US"/>
+            </a:p>
+          </p:txBody>
+        </p:sp>
+      </p:grpSp>
     </p:spTree>
     <p:extLst>
       <p:ext uri="{BB962C8B-B14F-4D97-AF65-F5344CB8AC3E}">
